--- a/docs/Presentación técnica_VSS.pptx
+++ b/docs/Presentación técnica_VSS.pptx
@@ -22,6 +22,10 @@
     <p:sldId id="270" r:id="rId36"/>
     <p:sldId id="271" r:id="rId37"/>
     <p:sldId id="272" r:id="rId38"/>
+    <p:sldId id="273" r:id="rId39"/>
+    <p:sldId id="274" r:id="rId40"/>
+    <p:sldId id="275" r:id="rId41"/>
+    <p:sldId id="276" r:id="rId42"/>
   </p:sldIdLst>
   <p:sldSz cx="18288000" cy="10287000"/>
   <p:notesSz cx="6858000" cy="9144000"/>
@@ -3594,651 +3598,6 @@
           <a:chExt cx="0" cy="0"/>
         </a:xfrm>
       </p:grpSpPr>
-      <p:sp>
-        <p:nvSpPr>
-          <p:cNvPr name="Freeform 2" id="2"/>
-          <p:cNvSpPr/>
-          <p:nvPr/>
-        </p:nvSpPr>
-        <p:spPr>
-          <a:xfrm flipH="false" flipV="false" rot="0">
-            <a:off x="1444692" y="2811202"/>
-            <a:ext cx="7575458" cy="5440556"/>
-          </a:xfrm>
-          <a:custGeom>
-            <a:avLst/>
-            <a:gdLst/>
-            <a:ahLst/>
-            <a:cxnLst/>
-            <a:rect r="r" b="b" t="t" l="l"/>
-            <a:pathLst>
-              <a:path h="5440556" w="7575458">
-                <a:moveTo>
-                  <a:pt x="0" y="0"/>
-                </a:moveTo>
-                <a:lnTo>
-                  <a:pt x="7575458" y="0"/>
-                </a:lnTo>
-                <a:lnTo>
-                  <a:pt x="7575458" y="5440556"/>
-                </a:lnTo>
-                <a:lnTo>
-                  <a:pt x="0" y="5440556"/>
-                </a:lnTo>
-                <a:lnTo>
-                  <a:pt x="0" y="0"/>
-                </a:lnTo>
-                <a:close/>
-              </a:path>
-            </a:pathLst>
-          </a:custGeom>
-          <a:blipFill>
-            <a:blip r:embed="rId2">
-              <a:extLst>
-                <a:ext uri="{96DAC541-7B7A-43D3-8B79-37D633B846F1}">
-                  <asvg:svgBlip xmlns:asvg="http://schemas.microsoft.com/office/drawing/2016/SVG/main" r:embed="rId3"/>
-                </a:ext>
-              </a:extLst>
-            </a:blip>
-            <a:stretch>
-              <a:fillRect l="0" t="0" r="0" b="0"/>
-            </a:stretch>
-          </a:blipFill>
-        </p:spPr>
-      </p:sp>
-      <p:sp>
-        <p:nvSpPr>
-          <p:cNvPr name="TextBox 3" id="3"/>
-          <p:cNvSpPr txBox="true"/>
-          <p:nvPr/>
-        </p:nvSpPr>
-        <p:spPr>
-          <a:xfrm rot="0">
-            <a:off x="10448456" y="3647796"/>
-            <a:ext cx="6071003" cy="1838325"/>
-          </a:xfrm>
-          <a:prstGeom prst="rect">
-            <a:avLst/>
-          </a:prstGeom>
-        </p:spPr>
-        <p:txBody>
-          <a:bodyPr anchor="t" rtlCol="false" tIns="0" lIns="0" bIns="0" rIns="0">
-            <a:spAutoFit/>
-          </a:bodyPr>
-          <a:lstStyle/>
-          <a:p>
-            <a:pPr>
-              <a:lnSpc>
-                <a:spcPts val="7200"/>
-              </a:lnSpc>
-            </a:pPr>
-            <a:r>
-              <a:rPr lang="en-US" sz="6000" spc="600">
-                <a:solidFill>
-                  <a:srgbClr val="1D1127"/>
-                </a:solidFill>
-                <a:latin typeface="Raleway Heavy"/>
-              </a:rPr>
-              <a:t>2. FEATURE</a:t>
-            </a:r>
-          </a:p>
-          <a:p>
-            <a:pPr>
-              <a:lnSpc>
-                <a:spcPts val="7200"/>
-              </a:lnSpc>
-            </a:pPr>
-            <a:r>
-              <a:rPr lang="en-US" sz="6000" spc="600">
-                <a:solidFill>
-                  <a:srgbClr val="1D1127"/>
-                </a:solidFill>
-                <a:latin typeface="Raleway Heavy"/>
-              </a:rPr>
-              <a:t>ENGINEERING</a:t>
-            </a:r>
-          </a:p>
-        </p:txBody>
-      </p:sp>
-      <p:sp>
-        <p:nvSpPr>
-          <p:cNvPr name="AutoShape 4" id="4"/>
-          <p:cNvSpPr/>
-          <p:nvPr/>
-        </p:nvSpPr>
-        <p:spPr>
-          <a:xfrm rot="0">
-            <a:off x="1028700" y="9234488"/>
-            <a:ext cx="10094146" cy="0"/>
-          </a:xfrm>
-          <a:prstGeom prst="line">
-            <a:avLst/>
-          </a:prstGeom>
-          <a:ln cap="flat" w="47625">
-            <a:solidFill>
-              <a:srgbClr val="62DBDF"/>
-            </a:solidFill>
-            <a:prstDash val="solid"/>
-            <a:headEnd type="none" len="sm" w="sm"/>
-            <a:tailEnd type="none" len="sm" w="sm"/>
-          </a:ln>
-        </p:spPr>
-      </p:sp>
-      <p:sp>
-        <p:nvSpPr>
-          <p:cNvPr name="AutoShape 5" id="5"/>
-          <p:cNvSpPr/>
-          <p:nvPr/>
-        </p:nvSpPr>
-        <p:spPr>
-          <a:xfrm>
-            <a:off x="10448549" y="5483855"/>
-            <a:ext cx="6071003" cy="23812"/>
-          </a:xfrm>
-          <a:prstGeom prst="line">
-            <a:avLst/>
-          </a:prstGeom>
-          <a:ln cap="flat" w="47625">
-            <a:solidFill>
-              <a:srgbClr val="62DBDF"/>
-            </a:solidFill>
-            <a:prstDash val="solid"/>
-            <a:headEnd type="none" len="sm" w="sm"/>
-            <a:tailEnd type="none" len="sm" w="sm"/>
-          </a:ln>
-        </p:spPr>
-      </p:sp>
-      <p:sp>
-        <p:nvSpPr>
-          <p:cNvPr name="AutoShape 6" id="6"/>
-          <p:cNvSpPr/>
-          <p:nvPr/>
-        </p:nvSpPr>
-        <p:spPr>
-          <a:xfrm rot="0">
-            <a:off x="7165154" y="1028700"/>
-            <a:ext cx="10094146" cy="0"/>
-          </a:xfrm>
-          <a:prstGeom prst="line">
-            <a:avLst/>
-          </a:prstGeom>
-          <a:ln cap="flat" w="47625">
-            <a:solidFill>
-              <a:srgbClr val="62DBDF"/>
-            </a:solidFill>
-            <a:prstDash val="solid"/>
-            <a:headEnd type="none" len="sm" w="sm"/>
-            <a:tailEnd type="none" len="sm" w="sm"/>
-          </a:ln>
-        </p:spPr>
-      </p:sp>
-    </p:spTree>
-  </p:cSld>
-  <p:clrMapOvr>
-    <a:masterClrMapping/>
-  </p:clrMapOvr>
-</p:sld>
-</file>
-
-<file path=ppt/slides/slide11.xml><?xml version="1.0" encoding="utf-8"?>
-<p:sld xmlns:p="http://schemas.openxmlformats.org/presentationml/2006/main" xmlns:a="http://schemas.openxmlformats.org/drawingml/2006/main" xmlns:r="http://schemas.openxmlformats.org/officeDocument/2006/relationships">
-  <p:cSld>
-    <p:bg>
-      <p:bgPr>
-        <a:solidFill>
-          <a:srgbClr val="F6F6F6"/>
-        </a:solidFill>
-      </p:bgPr>
-    </p:bg>
-    <p:spTree>
-      <p:nvGrpSpPr>
-        <p:cNvPr id="1" name=""/>
-        <p:cNvGrpSpPr/>
-        <p:nvPr/>
-      </p:nvGrpSpPr>
-      <p:grpSpPr>
-        <a:xfrm>
-          <a:off x="0" y="0"/>
-          <a:ext cx="0" cy="0"/>
-          <a:chOff x="0" y="0"/>
-          <a:chExt cx="0" cy="0"/>
-        </a:xfrm>
-      </p:grpSpPr>
-      <p:grpSp>
-        <p:nvGrpSpPr>
-          <p:cNvPr name="Group 2" id="2"/>
-          <p:cNvGrpSpPr/>
-          <p:nvPr/>
-        </p:nvGrpSpPr>
-        <p:grpSpPr>
-          <a:xfrm rot="0">
-            <a:off x="9686456" y="9872237"/>
-            <a:ext cx="9553175" cy="1241847"/>
-            <a:chOff x="0" y="0"/>
-            <a:chExt cx="3485024" cy="453029"/>
-          </a:xfrm>
-        </p:grpSpPr>
-        <p:sp>
-          <p:nvSpPr>
-            <p:cNvPr name="Freeform 3" id="3"/>
-            <p:cNvSpPr/>
-            <p:nvPr/>
-          </p:nvSpPr>
-          <p:spPr>
-            <a:xfrm flipH="false" flipV="false" rot="0">
-              <a:off x="0" y="0"/>
-              <a:ext cx="3485024" cy="453029"/>
-            </a:xfrm>
-            <a:custGeom>
-              <a:avLst/>
-              <a:gdLst/>
-              <a:ahLst/>
-              <a:cxnLst/>
-              <a:rect r="r" b="b" t="t" l="l"/>
-              <a:pathLst>
-                <a:path h="453029" w="3485024">
-                  <a:moveTo>
-                    <a:pt x="0" y="0"/>
-                  </a:moveTo>
-                  <a:lnTo>
-                    <a:pt x="3485024" y="0"/>
-                  </a:lnTo>
-                  <a:lnTo>
-                    <a:pt x="3485024" y="453029"/>
-                  </a:lnTo>
-                  <a:lnTo>
-                    <a:pt x="0" y="453029"/>
-                  </a:lnTo>
-                  <a:close/>
-                </a:path>
-              </a:pathLst>
-            </a:custGeom>
-            <a:solidFill>
-              <a:srgbClr val="62DBDF"/>
-            </a:solidFill>
-          </p:spPr>
-        </p:sp>
-      </p:grpSp>
-      <p:grpSp>
-        <p:nvGrpSpPr>
-          <p:cNvPr name="Group 4" id="4"/>
-          <p:cNvGrpSpPr/>
-          <p:nvPr/>
-        </p:nvGrpSpPr>
-        <p:grpSpPr>
-          <a:xfrm rot="0">
-            <a:off x="-333948" y="-839272"/>
-            <a:ext cx="8586759" cy="1241847"/>
-            <a:chOff x="0" y="0"/>
-            <a:chExt cx="3132473" cy="453029"/>
-          </a:xfrm>
-        </p:grpSpPr>
-        <p:sp>
-          <p:nvSpPr>
-            <p:cNvPr name="Freeform 5" id="5"/>
-            <p:cNvSpPr/>
-            <p:nvPr/>
-          </p:nvSpPr>
-          <p:spPr>
-            <a:xfrm flipH="false" flipV="false" rot="0">
-              <a:off x="0" y="0"/>
-              <a:ext cx="3132473" cy="453029"/>
-            </a:xfrm>
-            <a:custGeom>
-              <a:avLst/>
-              <a:gdLst/>
-              <a:ahLst/>
-              <a:cxnLst/>
-              <a:rect r="r" b="b" t="t" l="l"/>
-              <a:pathLst>
-                <a:path h="453029" w="3132473">
-                  <a:moveTo>
-                    <a:pt x="0" y="0"/>
-                  </a:moveTo>
-                  <a:lnTo>
-                    <a:pt x="3132473" y="0"/>
-                  </a:lnTo>
-                  <a:lnTo>
-                    <a:pt x="3132473" y="453029"/>
-                  </a:lnTo>
-                  <a:lnTo>
-                    <a:pt x="0" y="453029"/>
-                  </a:lnTo>
-                  <a:close/>
-                </a:path>
-              </a:pathLst>
-            </a:custGeom>
-            <a:solidFill>
-              <a:srgbClr val="62DBDF"/>
-            </a:solidFill>
-          </p:spPr>
-        </p:sp>
-      </p:grpSp>
-      <p:sp>
-        <p:nvSpPr>
-          <p:cNvPr name="Freeform 6" id="6"/>
-          <p:cNvSpPr/>
-          <p:nvPr/>
-        </p:nvSpPr>
-        <p:spPr>
-          <a:xfrm flipH="false" flipV="false" rot="-3176038">
-            <a:off x="15776964" y="597462"/>
-            <a:ext cx="1562405" cy="1998424"/>
-          </a:xfrm>
-          <a:custGeom>
-            <a:avLst/>
-            <a:gdLst/>
-            <a:ahLst/>
-            <a:cxnLst/>
-            <a:rect r="r" b="b" t="t" l="l"/>
-            <a:pathLst>
-              <a:path h="1998424" w="1562405">
-                <a:moveTo>
-                  <a:pt x="0" y="0"/>
-                </a:moveTo>
-                <a:lnTo>
-                  <a:pt x="1562404" y="0"/>
-                </a:lnTo>
-                <a:lnTo>
-                  <a:pt x="1562404" y="1998424"/>
-                </a:lnTo>
-                <a:lnTo>
-                  <a:pt x="0" y="1998424"/>
-                </a:lnTo>
-                <a:lnTo>
-                  <a:pt x="0" y="0"/>
-                </a:lnTo>
-                <a:close/>
-              </a:path>
-            </a:pathLst>
-          </a:custGeom>
-          <a:blipFill>
-            <a:blip r:embed="rId2">
-              <a:extLst>
-                <a:ext uri="{96DAC541-7B7A-43D3-8B79-37D633B846F1}">
-                  <asvg:svgBlip xmlns:asvg="http://schemas.microsoft.com/office/drawing/2016/SVG/main" r:embed="rId3"/>
-                </a:ext>
-              </a:extLst>
-            </a:blip>
-            <a:stretch>
-              <a:fillRect l="0" t="0" r="0" b="0"/>
-            </a:stretch>
-          </a:blipFill>
-        </p:spPr>
-      </p:sp>
-      <p:sp>
-        <p:nvSpPr>
-          <p:cNvPr name="Freeform 7" id="7"/>
-          <p:cNvSpPr/>
-          <p:nvPr/>
-        </p:nvSpPr>
-        <p:spPr>
-          <a:xfrm flipH="false" flipV="false" rot="0">
-            <a:off x="1444692" y="1444692"/>
-            <a:ext cx="2514739" cy="2755193"/>
-          </a:xfrm>
-          <a:custGeom>
-            <a:avLst/>
-            <a:gdLst/>
-            <a:ahLst/>
-            <a:cxnLst/>
-            <a:rect r="r" b="b" t="t" l="l"/>
-            <a:pathLst>
-              <a:path h="2755193" w="2514739">
-                <a:moveTo>
-                  <a:pt x="0" y="0"/>
-                </a:moveTo>
-                <a:lnTo>
-                  <a:pt x="2514739" y="0"/>
-                </a:lnTo>
-                <a:lnTo>
-                  <a:pt x="2514739" y="2755192"/>
-                </a:lnTo>
-                <a:lnTo>
-                  <a:pt x="0" y="2755192"/>
-                </a:lnTo>
-                <a:lnTo>
-                  <a:pt x="0" y="0"/>
-                </a:lnTo>
-                <a:close/>
-              </a:path>
-            </a:pathLst>
-          </a:custGeom>
-          <a:blipFill>
-            <a:blip r:embed="rId4">
-              <a:extLst>
-                <a:ext uri="{96DAC541-7B7A-43D3-8B79-37D633B846F1}">
-                  <asvg:svgBlip xmlns:asvg="http://schemas.microsoft.com/office/drawing/2016/SVG/main" r:embed="rId5"/>
-                </a:ext>
-              </a:extLst>
-            </a:blip>
-            <a:stretch>
-              <a:fillRect l="0" t="0" r="0" b="0"/>
-            </a:stretch>
-          </a:blipFill>
-        </p:spPr>
-      </p:sp>
-      <p:sp>
-        <p:nvSpPr>
-          <p:cNvPr name="Freeform 8" id="8"/>
-          <p:cNvSpPr/>
-          <p:nvPr/>
-        </p:nvSpPr>
-        <p:spPr>
-          <a:xfrm flipH="false" flipV="false" rot="0">
-            <a:off x="16286092" y="8329082"/>
-            <a:ext cx="1540244" cy="1149407"/>
-          </a:xfrm>
-          <a:custGeom>
-            <a:avLst/>
-            <a:gdLst/>
-            <a:ahLst/>
-            <a:cxnLst/>
-            <a:rect r="r" b="b" t="t" l="l"/>
-            <a:pathLst>
-              <a:path h="1149407" w="1540244">
-                <a:moveTo>
-                  <a:pt x="0" y="0"/>
-                </a:moveTo>
-                <a:lnTo>
-                  <a:pt x="1540245" y="0"/>
-                </a:lnTo>
-                <a:lnTo>
-                  <a:pt x="1540245" y="1149407"/>
-                </a:lnTo>
-                <a:lnTo>
-                  <a:pt x="0" y="1149407"/>
-                </a:lnTo>
-                <a:lnTo>
-                  <a:pt x="0" y="0"/>
-                </a:lnTo>
-                <a:close/>
-              </a:path>
-            </a:pathLst>
-          </a:custGeom>
-          <a:blipFill>
-            <a:blip r:embed="rId6">
-              <a:extLst>
-                <a:ext uri="{96DAC541-7B7A-43D3-8B79-37D633B846F1}">
-                  <asvg:svgBlip xmlns:asvg="http://schemas.microsoft.com/office/drawing/2016/SVG/main" r:embed="rId7"/>
-                </a:ext>
-              </a:extLst>
-            </a:blip>
-            <a:stretch>
-              <a:fillRect l="0" t="0" r="0" b="0"/>
-            </a:stretch>
-          </a:blipFill>
-        </p:spPr>
-      </p:sp>
-      <p:sp>
-        <p:nvSpPr>
-          <p:cNvPr name="Freeform 9" id="9"/>
-          <p:cNvSpPr/>
-          <p:nvPr/>
-        </p:nvSpPr>
-        <p:spPr>
-          <a:xfrm flipH="false" flipV="false" rot="0">
-            <a:off x="4315437" y="3328392"/>
-            <a:ext cx="12740778" cy="4494587"/>
-          </a:xfrm>
-          <a:custGeom>
-            <a:avLst/>
-            <a:gdLst/>
-            <a:ahLst/>
-            <a:cxnLst/>
-            <a:rect r="r" b="b" t="t" l="l"/>
-            <a:pathLst>
-              <a:path h="4494587" w="12740778">
-                <a:moveTo>
-                  <a:pt x="0" y="0"/>
-                </a:moveTo>
-                <a:lnTo>
-                  <a:pt x="12740778" y="0"/>
-                </a:lnTo>
-                <a:lnTo>
-                  <a:pt x="12740778" y="4494586"/>
-                </a:lnTo>
-                <a:lnTo>
-                  <a:pt x="0" y="4494586"/>
-                </a:lnTo>
-                <a:lnTo>
-                  <a:pt x="0" y="0"/>
-                </a:lnTo>
-                <a:close/>
-              </a:path>
-            </a:pathLst>
-          </a:custGeom>
-          <a:blipFill>
-            <a:blip r:embed="rId8"/>
-            <a:stretch>
-              <a:fillRect l="0" t="0" r="0" b="0"/>
-            </a:stretch>
-          </a:blipFill>
-        </p:spPr>
-      </p:sp>
-      <p:grpSp>
-        <p:nvGrpSpPr>
-          <p:cNvPr name="Group 10" id="10"/>
-          <p:cNvGrpSpPr/>
-          <p:nvPr/>
-        </p:nvGrpSpPr>
-        <p:grpSpPr>
-          <a:xfrm rot="0">
-            <a:off x="378013" y="7950329"/>
-            <a:ext cx="4648097" cy="1129969"/>
-            <a:chOff x="0" y="0"/>
-            <a:chExt cx="6197462" cy="1506625"/>
-          </a:xfrm>
-        </p:grpSpPr>
-        <p:sp>
-          <p:nvSpPr>
-            <p:cNvPr name="TextBox 11" id="11"/>
-            <p:cNvSpPr txBox="true"/>
-            <p:nvPr/>
-          </p:nvSpPr>
-          <p:spPr>
-            <a:xfrm rot="0">
-              <a:off x="7492" y="832233"/>
-              <a:ext cx="4512784" cy="674392"/>
-            </a:xfrm>
-            <a:prstGeom prst="rect">
-              <a:avLst/>
-            </a:prstGeom>
-          </p:spPr>
-          <p:txBody>
-            <a:bodyPr anchor="t" rtlCol="false" tIns="0" lIns="0" bIns="0" rIns="0">
-              <a:spAutoFit/>
-            </a:bodyPr>
-            <a:lstStyle/>
-            <a:p>
-              <a:pPr algn="ctr">
-                <a:lnSpc>
-                  <a:spcPts val="4610"/>
-                </a:lnSpc>
-              </a:pPr>
-              <a:r>
-                <a:rPr lang="en-US" sz="2426" spc="388">
-                  <a:solidFill>
-                    <a:srgbClr val="004AAD"/>
-                  </a:solidFill>
-                  <a:latin typeface="Montserrat Light Bold"/>
-                </a:rPr>
-                <a:t>3 al 9</a:t>
-              </a:r>
-            </a:p>
-          </p:txBody>
-        </p:sp>
-        <p:sp>
-          <p:nvSpPr>
-            <p:cNvPr name="TextBox 12" id="12"/>
-            <p:cNvSpPr txBox="true"/>
-            <p:nvPr/>
-          </p:nvSpPr>
-          <p:spPr>
-            <a:xfrm rot="0">
-              <a:off x="0" y="19050"/>
-              <a:ext cx="6197462" cy="550211"/>
-            </a:xfrm>
-            <a:prstGeom prst="rect">
-              <a:avLst/>
-            </a:prstGeom>
-          </p:spPr>
-          <p:txBody>
-            <a:bodyPr anchor="t" rtlCol="false" tIns="0" lIns="0" bIns="0" rIns="0">
-              <a:spAutoFit/>
-            </a:bodyPr>
-            <a:lstStyle/>
-            <a:p>
-              <a:pPr>
-                <a:lnSpc>
-                  <a:spcPts val="3159"/>
-                </a:lnSpc>
-              </a:pPr>
-              <a:r>
-                <a:rPr lang="en-US" sz="2846" spc="341">
-                  <a:solidFill>
-                    <a:srgbClr val="004AAD"/>
-                  </a:solidFill>
-                  <a:latin typeface="Oswald"/>
-                </a:rPr>
-                <a:t>VALORES DE CALIDAD</a:t>
-              </a:r>
-            </a:p>
-          </p:txBody>
-        </p:sp>
-      </p:grpSp>
-    </p:spTree>
-  </p:cSld>
-  <p:clrMapOvr>
-    <a:masterClrMapping/>
-  </p:clrMapOvr>
-</p:sld>
-</file>
-
-<file path=ppt/slides/slide12.xml><?xml version="1.0" encoding="utf-8"?>
-<p:sld xmlns:p="http://schemas.openxmlformats.org/presentationml/2006/main" xmlns:a="http://schemas.openxmlformats.org/drawingml/2006/main" xmlns:r="http://schemas.openxmlformats.org/officeDocument/2006/relationships">
-  <p:cSld>
-    <p:bg>
-      <p:bgPr>
-        <a:solidFill>
-          <a:srgbClr val="F6F6F6"/>
-        </a:solidFill>
-      </p:bgPr>
-    </p:bg>
-    <p:spTree>
-      <p:nvGrpSpPr>
-        <p:cNvPr id="1" name=""/>
-        <p:cNvGrpSpPr/>
-        <p:nvPr/>
-      </p:nvGrpSpPr>
-      <p:grpSpPr>
-        <a:xfrm>
-          <a:off x="0" y="0"/>
-          <a:ext cx="0" cy="0"/>
-          <a:chOff x="0" y="0"/>
-          <a:chExt cx="0" cy="0"/>
-        </a:xfrm>
-      </p:grpSpPr>
       <p:grpSp>
         <p:nvGrpSpPr>
           <p:cNvPr name="Group 2" id="2"/>
@@ -4666,7 +4025,7 @@
 </p:sld>
 </file>
 
-<file path=ppt/slides/slide13.xml><?xml version="1.0" encoding="utf-8"?>
+<file path=ppt/slides/slide11.xml><?xml version="1.0" encoding="utf-8"?>
 <p:sld xmlns:p="http://schemas.openxmlformats.org/presentationml/2006/main" xmlns:a="http://schemas.openxmlformats.org/drawingml/2006/main" xmlns:r="http://schemas.openxmlformats.org/officeDocument/2006/relationships">
   <p:cSld>
     <p:bg>
@@ -4860,7 +4219,7 @@
 </p:sld>
 </file>
 
-<file path=ppt/slides/slide14.xml><?xml version="1.0" encoding="utf-8"?>
+<file path=ppt/slides/slide12.xml><?xml version="1.0" encoding="utf-8"?>
 <p:sld xmlns:p="http://schemas.openxmlformats.org/presentationml/2006/main" xmlns:a="http://schemas.openxmlformats.org/drawingml/2006/main" xmlns:r="http://schemas.openxmlformats.org/officeDocument/2006/relationships">
   <p:cSld>
     <p:spTree>
@@ -5519,6 +4878,894 @@
 </p:sld>
 </file>
 
+<file path=ppt/slides/slide13.xml><?xml version="1.0" encoding="utf-8"?>
+<p:sld xmlns:p="http://schemas.openxmlformats.org/presentationml/2006/main" xmlns:a="http://schemas.openxmlformats.org/drawingml/2006/main" xmlns:r="http://schemas.openxmlformats.org/officeDocument/2006/relationships">
+  <p:cSld>
+    <p:bg>
+      <p:bgPr>
+        <a:solidFill>
+          <a:srgbClr val="F6F6F6"/>
+        </a:solidFill>
+      </p:bgPr>
+    </p:bg>
+    <p:spTree>
+      <p:nvGrpSpPr>
+        <p:cNvPr id="1" name=""/>
+        <p:cNvGrpSpPr/>
+        <p:nvPr/>
+      </p:nvGrpSpPr>
+      <p:grpSpPr>
+        <a:xfrm>
+          <a:off x="0" y="0"/>
+          <a:ext cx="0" cy="0"/>
+          <a:chOff x="0" y="0"/>
+          <a:chExt cx="0" cy="0"/>
+        </a:xfrm>
+      </p:grpSpPr>
+      <p:grpSp>
+        <p:nvGrpSpPr>
+          <p:cNvPr name="Group 2" id="2"/>
+          <p:cNvGrpSpPr/>
+          <p:nvPr/>
+        </p:nvGrpSpPr>
+        <p:grpSpPr>
+          <a:xfrm rot="0">
+            <a:off x="9686456" y="9872237"/>
+            <a:ext cx="9553175" cy="1241847"/>
+            <a:chOff x="0" y="0"/>
+            <a:chExt cx="3485024" cy="453029"/>
+          </a:xfrm>
+        </p:grpSpPr>
+        <p:sp>
+          <p:nvSpPr>
+            <p:cNvPr name="Freeform 3" id="3"/>
+            <p:cNvSpPr/>
+            <p:nvPr/>
+          </p:nvSpPr>
+          <p:spPr>
+            <a:xfrm flipH="false" flipV="false" rot="0">
+              <a:off x="0" y="0"/>
+              <a:ext cx="3485024" cy="453029"/>
+            </a:xfrm>
+            <a:custGeom>
+              <a:avLst/>
+              <a:gdLst/>
+              <a:ahLst/>
+              <a:cxnLst/>
+              <a:rect r="r" b="b" t="t" l="l"/>
+              <a:pathLst>
+                <a:path h="453029" w="3485024">
+                  <a:moveTo>
+                    <a:pt x="0" y="0"/>
+                  </a:moveTo>
+                  <a:lnTo>
+                    <a:pt x="3485024" y="0"/>
+                  </a:lnTo>
+                  <a:lnTo>
+                    <a:pt x="3485024" y="453029"/>
+                  </a:lnTo>
+                  <a:lnTo>
+                    <a:pt x="0" y="453029"/>
+                  </a:lnTo>
+                  <a:close/>
+                </a:path>
+              </a:pathLst>
+            </a:custGeom>
+            <a:solidFill>
+              <a:srgbClr val="62DBDF"/>
+            </a:solidFill>
+          </p:spPr>
+        </p:sp>
+      </p:grpSp>
+      <p:grpSp>
+        <p:nvGrpSpPr>
+          <p:cNvPr name="Group 4" id="4"/>
+          <p:cNvGrpSpPr/>
+          <p:nvPr/>
+        </p:nvGrpSpPr>
+        <p:grpSpPr>
+          <a:xfrm rot="0">
+            <a:off x="-333948" y="-839272"/>
+            <a:ext cx="8586759" cy="1241847"/>
+            <a:chOff x="0" y="0"/>
+            <a:chExt cx="3132473" cy="453029"/>
+          </a:xfrm>
+        </p:grpSpPr>
+        <p:sp>
+          <p:nvSpPr>
+            <p:cNvPr name="Freeform 5" id="5"/>
+            <p:cNvSpPr/>
+            <p:nvPr/>
+          </p:nvSpPr>
+          <p:spPr>
+            <a:xfrm flipH="false" flipV="false" rot="0">
+              <a:off x="0" y="0"/>
+              <a:ext cx="3132473" cy="453029"/>
+            </a:xfrm>
+            <a:custGeom>
+              <a:avLst/>
+              <a:gdLst/>
+              <a:ahLst/>
+              <a:cxnLst/>
+              <a:rect r="r" b="b" t="t" l="l"/>
+              <a:pathLst>
+                <a:path h="453029" w="3132473">
+                  <a:moveTo>
+                    <a:pt x="0" y="0"/>
+                  </a:moveTo>
+                  <a:lnTo>
+                    <a:pt x="3132473" y="0"/>
+                  </a:lnTo>
+                  <a:lnTo>
+                    <a:pt x="3132473" y="453029"/>
+                  </a:lnTo>
+                  <a:lnTo>
+                    <a:pt x="0" y="453029"/>
+                  </a:lnTo>
+                  <a:close/>
+                </a:path>
+              </a:pathLst>
+            </a:custGeom>
+            <a:solidFill>
+              <a:srgbClr val="62DBDF"/>
+            </a:solidFill>
+          </p:spPr>
+        </p:sp>
+      </p:grpSp>
+      <p:sp>
+        <p:nvSpPr>
+          <p:cNvPr name="Freeform 6" id="6"/>
+          <p:cNvSpPr/>
+          <p:nvPr/>
+        </p:nvSpPr>
+        <p:spPr>
+          <a:xfrm flipH="false" flipV="false" rot="-3176038">
+            <a:off x="15776964" y="597462"/>
+            <a:ext cx="1562405" cy="1998424"/>
+          </a:xfrm>
+          <a:custGeom>
+            <a:avLst/>
+            <a:gdLst/>
+            <a:ahLst/>
+            <a:cxnLst/>
+            <a:rect r="r" b="b" t="t" l="l"/>
+            <a:pathLst>
+              <a:path h="1998424" w="1562405">
+                <a:moveTo>
+                  <a:pt x="0" y="0"/>
+                </a:moveTo>
+                <a:lnTo>
+                  <a:pt x="1562404" y="0"/>
+                </a:lnTo>
+                <a:lnTo>
+                  <a:pt x="1562404" y="1998424"/>
+                </a:lnTo>
+                <a:lnTo>
+                  <a:pt x="0" y="1998424"/>
+                </a:lnTo>
+                <a:lnTo>
+                  <a:pt x="0" y="0"/>
+                </a:lnTo>
+                <a:close/>
+              </a:path>
+            </a:pathLst>
+          </a:custGeom>
+          <a:blipFill>
+            <a:blip r:embed="rId2">
+              <a:extLst>
+                <a:ext uri="{96DAC541-7B7A-43D3-8B79-37D633B846F1}">
+                  <asvg:svgBlip xmlns:asvg="http://schemas.microsoft.com/office/drawing/2016/SVG/main" r:embed="rId3"/>
+                </a:ext>
+              </a:extLst>
+            </a:blip>
+            <a:stretch>
+              <a:fillRect l="0" t="0" r="0" b="0"/>
+            </a:stretch>
+          </a:blipFill>
+        </p:spPr>
+      </p:sp>
+      <p:sp>
+        <p:nvSpPr>
+          <p:cNvPr name="Freeform 7" id="7"/>
+          <p:cNvSpPr/>
+          <p:nvPr/>
+        </p:nvSpPr>
+        <p:spPr>
+          <a:xfrm flipH="false" flipV="false" rot="0">
+            <a:off x="1444692" y="1444692"/>
+            <a:ext cx="2514739" cy="2755193"/>
+          </a:xfrm>
+          <a:custGeom>
+            <a:avLst/>
+            <a:gdLst/>
+            <a:ahLst/>
+            <a:cxnLst/>
+            <a:rect r="r" b="b" t="t" l="l"/>
+            <a:pathLst>
+              <a:path h="2755193" w="2514739">
+                <a:moveTo>
+                  <a:pt x="0" y="0"/>
+                </a:moveTo>
+                <a:lnTo>
+                  <a:pt x="2514739" y="0"/>
+                </a:lnTo>
+                <a:lnTo>
+                  <a:pt x="2514739" y="2755192"/>
+                </a:lnTo>
+                <a:lnTo>
+                  <a:pt x="0" y="2755192"/>
+                </a:lnTo>
+                <a:lnTo>
+                  <a:pt x="0" y="0"/>
+                </a:lnTo>
+                <a:close/>
+              </a:path>
+            </a:pathLst>
+          </a:custGeom>
+          <a:blipFill>
+            <a:blip r:embed="rId4">
+              <a:extLst>
+                <a:ext uri="{96DAC541-7B7A-43D3-8B79-37D633B846F1}">
+                  <asvg:svgBlip xmlns:asvg="http://schemas.microsoft.com/office/drawing/2016/SVG/main" r:embed="rId5"/>
+                </a:ext>
+              </a:extLst>
+            </a:blip>
+            <a:stretch>
+              <a:fillRect l="0" t="0" r="0" b="0"/>
+            </a:stretch>
+          </a:blipFill>
+        </p:spPr>
+      </p:sp>
+      <p:sp>
+        <p:nvSpPr>
+          <p:cNvPr name="Freeform 8" id="8"/>
+          <p:cNvSpPr/>
+          <p:nvPr/>
+        </p:nvSpPr>
+        <p:spPr>
+          <a:xfrm flipH="false" flipV="false" rot="0">
+            <a:off x="16286092" y="8329082"/>
+            <a:ext cx="1540244" cy="1149407"/>
+          </a:xfrm>
+          <a:custGeom>
+            <a:avLst/>
+            <a:gdLst/>
+            <a:ahLst/>
+            <a:cxnLst/>
+            <a:rect r="r" b="b" t="t" l="l"/>
+            <a:pathLst>
+              <a:path h="1149407" w="1540244">
+                <a:moveTo>
+                  <a:pt x="0" y="0"/>
+                </a:moveTo>
+                <a:lnTo>
+                  <a:pt x="1540245" y="0"/>
+                </a:lnTo>
+                <a:lnTo>
+                  <a:pt x="1540245" y="1149407"/>
+                </a:lnTo>
+                <a:lnTo>
+                  <a:pt x="0" y="1149407"/>
+                </a:lnTo>
+                <a:lnTo>
+                  <a:pt x="0" y="0"/>
+                </a:lnTo>
+                <a:close/>
+              </a:path>
+            </a:pathLst>
+          </a:custGeom>
+          <a:blipFill>
+            <a:blip r:embed="rId6">
+              <a:extLst>
+                <a:ext uri="{96DAC541-7B7A-43D3-8B79-37D633B846F1}">
+                  <asvg:svgBlip xmlns:asvg="http://schemas.microsoft.com/office/drawing/2016/SVG/main" r:embed="rId7"/>
+                </a:ext>
+              </a:extLst>
+            </a:blip>
+            <a:stretch>
+              <a:fillRect l="0" t="0" r="0" b="0"/>
+            </a:stretch>
+          </a:blipFill>
+        </p:spPr>
+      </p:sp>
+      <p:sp>
+        <p:nvSpPr>
+          <p:cNvPr name="Freeform 9" id="9"/>
+          <p:cNvSpPr/>
+          <p:nvPr/>
+        </p:nvSpPr>
+        <p:spPr>
+          <a:xfrm flipH="false" flipV="false" rot="0">
+            <a:off x="10572191" y="2413753"/>
+            <a:ext cx="6687109" cy="5644962"/>
+          </a:xfrm>
+          <a:custGeom>
+            <a:avLst/>
+            <a:gdLst/>
+            <a:ahLst/>
+            <a:cxnLst/>
+            <a:rect r="r" b="b" t="t" l="l"/>
+            <a:pathLst>
+              <a:path h="5644962" w="6687109">
+                <a:moveTo>
+                  <a:pt x="0" y="0"/>
+                </a:moveTo>
+                <a:lnTo>
+                  <a:pt x="6687109" y="0"/>
+                </a:lnTo>
+                <a:lnTo>
+                  <a:pt x="6687109" y="5644962"/>
+                </a:lnTo>
+                <a:lnTo>
+                  <a:pt x="0" y="5644962"/>
+                </a:lnTo>
+                <a:lnTo>
+                  <a:pt x="0" y="0"/>
+                </a:lnTo>
+                <a:close/>
+              </a:path>
+            </a:pathLst>
+          </a:custGeom>
+          <a:blipFill>
+            <a:blip r:embed="rId8"/>
+            <a:stretch>
+              <a:fillRect l="0" t="0" r="0" b="0"/>
+            </a:stretch>
+          </a:blipFill>
+        </p:spPr>
+      </p:sp>
+      <p:sp>
+        <p:nvSpPr>
+          <p:cNvPr name="Freeform 10" id="10"/>
+          <p:cNvSpPr/>
+          <p:nvPr/>
+        </p:nvSpPr>
+        <p:spPr>
+          <a:xfrm flipH="false" flipV="false" rot="0">
+            <a:off x="1444692" y="4842385"/>
+            <a:ext cx="8382952" cy="3084098"/>
+          </a:xfrm>
+          <a:custGeom>
+            <a:avLst/>
+            <a:gdLst/>
+            <a:ahLst/>
+            <a:cxnLst/>
+            <a:rect r="r" b="b" t="t" l="l"/>
+            <a:pathLst>
+              <a:path h="3084098" w="8382952">
+                <a:moveTo>
+                  <a:pt x="0" y="0"/>
+                </a:moveTo>
+                <a:lnTo>
+                  <a:pt x="8382952" y="0"/>
+                </a:lnTo>
+                <a:lnTo>
+                  <a:pt x="8382952" y="3084099"/>
+                </a:lnTo>
+                <a:lnTo>
+                  <a:pt x="0" y="3084099"/>
+                </a:lnTo>
+                <a:lnTo>
+                  <a:pt x="0" y="0"/>
+                </a:lnTo>
+                <a:close/>
+              </a:path>
+            </a:pathLst>
+          </a:custGeom>
+          <a:blipFill>
+            <a:blip r:embed="rId9"/>
+            <a:stretch>
+              <a:fillRect l="0" t="0" r="0" b="0"/>
+            </a:stretch>
+          </a:blipFill>
+        </p:spPr>
+      </p:sp>
+      <p:sp>
+        <p:nvSpPr>
+          <p:cNvPr name="TextBox 11" id="11"/>
+          <p:cNvSpPr txBox="true"/>
+          <p:nvPr/>
+        </p:nvSpPr>
+        <p:spPr>
+          <a:xfrm rot="0">
+            <a:off x="4670850" y="644055"/>
+            <a:ext cx="8946300" cy="1499331"/>
+          </a:xfrm>
+          <a:prstGeom prst="rect">
+            <a:avLst/>
+          </a:prstGeom>
+        </p:spPr>
+        <p:txBody>
+          <a:bodyPr anchor="t" rtlCol="false" tIns="0" lIns="0" bIns="0" rIns="0">
+            <a:spAutoFit/>
+          </a:bodyPr>
+          <a:lstStyle/>
+          <a:p>
+            <a:pPr algn="ctr">
+              <a:lnSpc>
+                <a:spcPts val="5311"/>
+              </a:lnSpc>
+            </a:pPr>
+            <a:r>
+              <a:rPr lang="en-US" sz="6639">
+                <a:solidFill>
+                  <a:srgbClr val="80C2EE"/>
+                </a:solidFill>
+                <a:latin typeface="Horizon Bold"/>
+              </a:rPr>
+              <a:t>LOGISTIC</a:t>
+            </a:r>
+          </a:p>
+          <a:p>
+            <a:pPr algn="ctr">
+              <a:lnSpc>
+                <a:spcPts val="5311"/>
+              </a:lnSpc>
+            </a:pPr>
+            <a:r>
+              <a:rPr lang="en-US" sz="6639">
+                <a:solidFill>
+                  <a:srgbClr val="80C2EE"/>
+                </a:solidFill>
+                <a:latin typeface="Horizon Bold"/>
+              </a:rPr>
+              <a:t>REGRESSION</a:t>
+            </a:r>
+          </a:p>
+        </p:txBody>
+      </p:sp>
+    </p:spTree>
+  </p:cSld>
+  <p:clrMapOvr>
+    <a:masterClrMapping/>
+  </p:clrMapOvr>
+</p:sld>
+</file>
+
+<file path=ppt/slides/slide14.xml><?xml version="1.0" encoding="utf-8"?>
+<p:sld xmlns:p="http://schemas.openxmlformats.org/presentationml/2006/main" xmlns:a="http://schemas.openxmlformats.org/drawingml/2006/main" xmlns:r="http://schemas.openxmlformats.org/officeDocument/2006/relationships">
+  <p:cSld>
+    <p:bg>
+      <p:bgPr>
+        <a:solidFill>
+          <a:srgbClr val="F6F6F6"/>
+        </a:solidFill>
+      </p:bgPr>
+    </p:bg>
+    <p:spTree>
+      <p:nvGrpSpPr>
+        <p:cNvPr id="1" name=""/>
+        <p:cNvGrpSpPr/>
+        <p:nvPr/>
+      </p:nvGrpSpPr>
+      <p:grpSpPr>
+        <a:xfrm>
+          <a:off x="0" y="0"/>
+          <a:ext cx="0" cy="0"/>
+          <a:chOff x="0" y="0"/>
+          <a:chExt cx="0" cy="0"/>
+        </a:xfrm>
+      </p:grpSpPr>
+      <p:grpSp>
+        <p:nvGrpSpPr>
+          <p:cNvPr name="Group 2" id="2"/>
+          <p:cNvGrpSpPr/>
+          <p:nvPr/>
+        </p:nvGrpSpPr>
+        <p:grpSpPr>
+          <a:xfrm rot="0">
+            <a:off x="9686456" y="9872237"/>
+            <a:ext cx="9553175" cy="1241847"/>
+            <a:chOff x="0" y="0"/>
+            <a:chExt cx="3485024" cy="453029"/>
+          </a:xfrm>
+        </p:grpSpPr>
+        <p:sp>
+          <p:nvSpPr>
+            <p:cNvPr name="Freeform 3" id="3"/>
+            <p:cNvSpPr/>
+            <p:nvPr/>
+          </p:nvSpPr>
+          <p:spPr>
+            <a:xfrm flipH="false" flipV="false" rot="0">
+              <a:off x="0" y="0"/>
+              <a:ext cx="3485024" cy="453029"/>
+            </a:xfrm>
+            <a:custGeom>
+              <a:avLst/>
+              <a:gdLst/>
+              <a:ahLst/>
+              <a:cxnLst/>
+              <a:rect r="r" b="b" t="t" l="l"/>
+              <a:pathLst>
+                <a:path h="453029" w="3485024">
+                  <a:moveTo>
+                    <a:pt x="0" y="0"/>
+                  </a:moveTo>
+                  <a:lnTo>
+                    <a:pt x="3485024" y="0"/>
+                  </a:lnTo>
+                  <a:lnTo>
+                    <a:pt x="3485024" y="453029"/>
+                  </a:lnTo>
+                  <a:lnTo>
+                    <a:pt x="0" y="453029"/>
+                  </a:lnTo>
+                  <a:close/>
+                </a:path>
+              </a:pathLst>
+            </a:custGeom>
+            <a:solidFill>
+              <a:srgbClr val="62DBDF"/>
+            </a:solidFill>
+          </p:spPr>
+        </p:sp>
+      </p:grpSp>
+      <p:grpSp>
+        <p:nvGrpSpPr>
+          <p:cNvPr name="Group 4" id="4"/>
+          <p:cNvGrpSpPr/>
+          <p:nvPr/>
+        </p:nvGrpSpPr>
+        <p:grpSpPr>
+          <a:xfrm rot="0">
+            <a:off x="-333948" y="-839272"/>
+            <a:ext cx="8586759" cy="1241847"/>
+            <a:chOff x="0" y="0"/>
+            <a:chExt cx="3132473" cy="453029"/>
+          </a:xfrm>
+        </p:grpSpPr>
+        <p:sp>
+          <p:nvSpPr>
+            <p:cNvPr name="Freeform 5" id="5"/>
+            <p:cNvSpPr/>
+            <p:nvPr/>
+          </p:nvSpPr>
+          <p:spPr>
+            <a:xfrm flipH="false" flipV="false" rot="0">
+              <a:off x="0" y="0"/>
+              <a:ext cx="3132473" cy="453029"/>
+            </a:xfrm>
+            <a:custGeom>
+              <a:avLst/>
+              <a:gdLst/>
+              <a:ahLst/>
+              <a:cxnLst/>
+              <a:rect r="r" b="b" t="t" l="l"/>
+              <a:pathLst>
+                <a:path h="453029" w="3132473">
+                  <a:moveTo>
+                    <a:pt x="0" y="0"/>
+                  </a:moveTo>
+                  <a:lnTo>
+                    <a:pt x="3132473" y="0"/>
+                  </a:lnTo>
+                  <a:lnTo>
+                    <a:pt x="3132473" y="453029"/>
+                  </a:lnTo>
+                  <a:lnTo>
+                    <a:pt x="0" y="453029"/>
+                  </a:lnTo>
+                  <a:close/>
+                </a:path>
+              </a:pathLst>
+            </a:custGeom>
+            <a:solidFill>
+              <a:srgbClr val="62DBDF"/>
+            </a:solidFill>
+          </p:spPr>
+        </p:sp>
+      </p:grpSp>
+      <p:sp>
+        <p:nvSpPr>
+          <p:cNvPr name="Freeform 6" id="6"/>
+          <p:cNvSpPr/>
+          <p:nvPr/>
+        </p:nvSpPr>
+        <p:spPr>
+          <a:xfrm flipH="false" flipV="false" rot="-3176038">
+            <a:off x="15776964" y="597462"/>
+            <a:ext cx="1562405" cy="1998424"/>
+          </a:xfrm>
+          <a:custGeom>
+            <a:avLst/>
+            <a:gdLst/>
+            <a:ahLst/>
+            <a:cxnLst/>
+            <a:rect r="r" b="b" t="t" l="l"/>
+            <a:pathLst>
+              <a:path h="1998424" w="1562405">
+                <a:moveTo>
+                  <a:pt x="0" y="0"/>
+                </a:moveTo>
+                <a:lnTo>
+                  <a:pt x="1562404" y="0"/>
+                </a:lnTo>
+                <a:lnTo>
+                  <a:pt x="1562404" y="1998424"/>
+                </a:lnTo>
+                <a:lnTo>
+                  <a:pt x="0" y="1998424"/>
+                </a:lnTo>
+                <a:lnTo>
+                  <a:pt x="0" y="0"/>
+                </a:lnTo>
+                <a:close/>
+              </a:path>
+            </a:pathLst>
+          </a:custGeom>
+          <a:blipFill>
+            <a:blip r:embed="rId2">
+              <a:extLst>
+                <a:ext uri="{96DAC541-7B7A-43D3-8B79-37D633B846F1}">
+                  <asvg:svgBlip xmlns:asvg="http://schemas.microsoft.com/office/drawing/2016/SVG/main" r:embed="rId3"/>
+                </a:ext>
+              </a:extLst>
+            </a:blip>
+            <a:stretch>
+              <a:fillRect l="0" t="0" r="0" b="0"/>
+            </a:stretch>
+          </a:blipFill>
+        </p:spPr>
+      </p:sp>
+      <p:sp>
+        <p:nvSpPr>
+          <p:cNvPr name="Freeform 7" id="7"/>
+          <p:cNvSpPr/>
+          <p:nvPr/>
+        </p:nvSpPr>
+        <p:spPr>
+          <a:xfrm flipH="false" flipV="false" rot="0">
+            <a:off x="1444692" y="1444692"/>
+            <a:ext cx="2514739" cy="2755193"/>
+          </a:xfrm>
+          <a:custGeom>
+            <a:avLst/>
+            <a:gdLst/>
+            <a:ahLst/>
+            <a:cxnLst/>
+            <a:rect r="r" b="b" t="t" l="l"/>
+            <a:pathLst>
+              <a:path h="2755193" w="2514739">
+                <a:moveTo>
+                  <a:pt x="0" y="0"/>
+                </a:moveTo>
+                <a:lnTo>
+                  <a:pt x="2514739" y="0"/>
+                </a:lnTo>
+                <a:lnTo>
+                  <a:pt x="2514739" y="2755192"/>
+                </a:lnTo>
+                <a:lnTo>
+                  <a:pt x="0" y="2755192"/>
+                </a:lnTo>
+                <a:lnTo>
+                  <a:pt x="0" y="0"/>
+                </a:lnTo>
+                <a:close/>
+              </a:path>
+            </a:pathLst>
+          </a:custGeom>
+          <a:blipFill>
+            <a:blip r:embed="rId4">
+              <a:extLst>
+                <a:ext uri="{96DAC541-7B7A-43D3-8B79-37D633B846F1}">
+                  <asvg:svgBlip xmlns:asvg="http://schemas.microsoft.com/office/drawing/2016/SVG/main" r:embed="rId5"/>
+                </a:ext>
+              </a:extLst>
+            </a:blip>
+            <a:stretch>
+              <a:fillRect l="0" t="0" r="0" b="0"/>
+            </a:stretch>
+          </a:blipFill>
+        </p:spPr>
+      </p:sp>
+      <p:sp>
+        <p:nvSpPr>
+          <p:cNvPr name="Freeform 8" id="8"/>
+          <p:cNvSpPr/>
+          <p:nvPr/>
+        </p:nvSpPr>
+        <p:spPr>
+          <a:xfrm flipH="false" flipV="false" rot="0">
+            <a:off x="16286092" y="8329082"/>
+            <a:ext cx="1540244" cy="1149407"/>
+          </a:xfrm>
+          <a:custGeom>
+            <a:avLst/>
+            <a:gdLst/>
+            <a:ahLst/>
+            <a:cxnLst/>
+            <a:rect r="r" b="b" t="t" l="l"/>
+            <a:pathLst>
+              <a:path h="1149407" w="1540244">
+                <a:moveTo>
+                  <a:pt x="0" y="0"/>
+                </a:moveTo>
+                <a:lnTo>
+                  <a:pt x="1540245" y="0"/>
+                </a:lnTo>
+                <a:lnTo>
+                  <a:pt x="1540245" y="1149407"/>
+                </a:lnTo>
+                <a:lnTo>
+                  <a:pt x="0" y="1149407"/>
+                </a:lnTo>
+                <a:lnTo>
+                  <a:pt x="0" y="0"/>
+                </a:lnTo>
+                <a:close/>
+              </a:path>
+            </a:pathLst>
+          </a:custGeom>
+          <a:blipFill>
+            <a:blip r:embed="rId6">
+              <a:extLst>
+                <a:ext uri="{96DAC541-7B7A-43D3-8B79-37D633B846F1}">
+                  <asvg:svgBlip xmlns:asvg="http://schemas.microsoft.com/office/drawing/2016/SVG/main" r:embed="rId7"/>
+                </a:ext>
+              </a:extLst>
+            </a:blip>
+            <a:stretch>
+              <a:fillRect l="0" t="0" r="0" b="0"/>
+            </a:stretch>
+          </a:blipFill>
+        </p:spPr>
+      </p:sp>
+      <p:sp>
+        <p:nvSpPr>
+          <p:cNvPr name="Freeform 9" id="9"/>
+          <p:cNvSpPr/>
+          <p:nvPr/>
+        </p:nvSpPr>
+        <p:spPr>
+          <a:xfrm flipH="false" flipV="false" rot="0">
+            <a:off x="1387549" y="4800513"/>
+            <a:ext cx="8298907" cy="3188691"/>
+          </a:xfrm>
+          <a:custGeom>
+            <a:avLst/>
+            <a:gdLst/>
+            <a:ahLst/>
+            <a:cxnLst/>
+            <a:rect r="r" b="b" t="t" l="l"/>
+            <a:pathLst>
+              <a:path h="3188691" w="8298907">
+                <a:moveTo>
+                  <a:pt x="0" y="0"/>
+                </a:moveTo>
+                <a:lnTo>
+                  <a:pt x="8298907" y="0"/>
+                </a:lnTo>
+                <a:lnTo>
+                  <a:pt x="8298907" y="3188691"/>
+                </a:lnTo>
+                <a:lnTo>
+                  <a:pt x="0" y="3188691"/>
+                </a:lnTo>
+                <a:lnTo>
+                  <a:pt x="0" y="0"/>
+                </a:lnTo>
+                <a:close/>
+              </a:path>
+            </a:pathLst>
+          </a:custGeom>
+          <a:blipFill>
+            <a:blip r:embed="rId8"/>
+            <a:stretch>
+              <a:fillRect l="0" t="0" r="0" b="0"/>
+            </a:stretch>
+          </a:blipFill>
+        </p:spPr>
+      </p:sp>
+      <p:sp>
+        <p:nvSpPr>
+          <p:cNvPr name="Freeform 10" id="10"/>
+          <p:cNvSpPr/>
+          <p:nvPr/>
+        </p:nvSpPr>
+        <p:spPr>
+          <a:xfrm flipH="false" flipV="false" rot="0">
+            <a:off x="10273596" y="2498228"/>
+            <a:ext cx="6687109" cy="5644962"/>
+          </a:xfrm>
+          <a:custGeom>
+            <a:avLst/>
+            <a:gdLst/>
+            <a:ahLst/>
+            <a:cxnLst/>
+            <a:rect r="r" b="b" t="t" l="l"/>
+            <a:pathLst>
+              <a:path h="5644962" w="6687109">
+                <a:moveTo>
+                  <a:pt x="0" y="0"/>
+                </a:moveTo>
+                <a:lnTo>
+                  <a:pt x="6687108" y="0"/>
+                </a:lnTo>
+                <a:lnTo>
+                  <a:pt x="6687108" y="5644962"/>
+                </a:lnTo>
+                <a:lnTo>
+                  <a:pt x="0" y="5644962"/>
+                </a:lnTo>
+                <a:lnTo>
+                  <a:pt x="0" y="0"/>
+                </a:lnTo>
+                <a:close/>
+              </a:path>
+            </a:pathLst>
+          </a:custGeom>
+          <a:blipFill>
+            <a:blip r:embed="rId9"/>
+            <a:stretch>
+              <a:fillRect l="0" t="0" r="0" b="0"/>
+            </a:stretch>
+          </a:blipFill>
+        </p:spPr>
+      </p:sp>
+      <p:sp>
+        <p:nvSpPr>
+          <p:cNvPr name="TextBox 11" id="11"/>
+          <p:cNvSpPr txBox="true"/>
+          <p:nvPr/>
+        </p:nvSpPr>
+        <p:spPr>
+          <a:xfrm rot="0">
+            <a:off x="4670850" y="644055"/>
+            <a:ext cx="8946300" cy="1668281"/>
+          </a:xfrm>
+          <a:prstGeom prst="rect">
+            <a:avLst/>
+          </a:prstGeom>
+        </p:spPr>
+        <p:txBody>
+          <a:bodyPr anchor="t" rtlCol="false" tIns="0" lIns="0" bIns="0" rIns="0">
+            <a:spAutoFit/>
+          </a:bodyPr>
+          <a:lstStyle/>
+          <a:p>
+            <a:pPr algn="ctr">
+              <a:lnSpc>
+                <a:spcPts val="5311"/>
+              </a:lnSpc>
+            </a:pPr>
+            <a:r>
+              <a:rPr lang="en-US" sz="6639">
+                <a:solidFill>
+                  <a:srgbClr val="2083C4"/>
+                </a:solidFill>
+                <a:latin typeface="Horizon Bold"/>
+              </a:rPr>
+              <a:t>RANDOM</a:t>
+            </a:r>
+          </a:p>
+          <a:p>
+            <a:pPr algn="ctr">
+              <a:lnSpc>
+                <a:spcPts val="7900"/>
+              </a:lnSpc>
+            </a:pPr>
+            <a:r>
+              <a:rPr lang="en-US" sz="6639">
+                <a:solidFill>
+                  <a:srgbClr val="2083C4"/>
+                </a:solidFill>
+                <a:latin typeface="Horizon Bold"/>
+              </a:rPr>
+              <a:t>FOREST</a:t>
+            </a:r>
+          </a:p>
+        </p:txBody>
+      </p:sp>
+    </p:spTree>
+  </p:cSld>
+  <p:clrMapOvr>
+    <a:masterClrMapping/>
+  </p:clrMapOvr>
+</p:sld>
+</file>
+
 <file path=ppt/slides/slide15.xml><?xml version="1.0" encoding="utf-8"?>
 <p:sld xmlns:p="http://schemas.openxmlformats.org/presentationml/2006/main" xmlns:a="http://schemas.openxmlformats.org/drawingml/2006/main" xmlns:r="http://schemas.openxmlformats.org/officeDocument/2006/relationships">
   <p:cSld>
@@ -5817,8 +6064,8 @@
         </p:nvSpPr>
         <p:spPr>
           <a:xfrm flipH="false" flipV="false" rot="0">
-            <a:off x="4090811" y="2312336"/>
-            <a:ext cx="12616773" cy="6190839"/>
+            <a:off x="1028700" y="5137008"/>
+            <a:ext cx="8351646" cy="3006182"/>
           </a:xfrm>
           <a:custGeom>
             <a:avLst/>
@@ -5827,18 +6074,18 @@
             <a:cxnLst/>
             <a:rect r="r" b="b" t="t" l="l"/>
             <a:pathLst>
-              <a:path h="6190839" w="12616773">
+              <a:path h="3006182" w="8351646">
                 <a:moveTo>
                   <a:pt x="0" y="0"/>
                 </a:moveTo>
                 <a:lnTo>
-                  <a:pt x="12616773" y="0"/>
-                </a:lnTo>
-                <a:lnTo>
-                  <a:pt x="12616773" y="6190839"/>
-                </a:lnTo>
-                <a:lnTo>
-                  <a:pt x="0" y="6190839"/>
+                  <a:pt x="8351646" y="0"/>
+                </a:lnTo>
+                <a:lnTo>
+                  <a:pt x="8351646" y="3006182"/>
+                </a:lnTo>
+                <a:lnTo>
+                  <a:pt x="0" y="3006182"/>
                 </a:lnTo>
                 <a:lnTo>
                   <a:pt x="0" y="0"/>
@@ -5857,14 +6104,60 @@
       </p:sp>
       <p:sp>
         <p:nvSpPr>
-          <p:cNvPr name="TextBox 10" id="10"/>
+          <p:cNvPr name="Freeform 10" id="10"/>
+          <p:cNvSpPr/>
+          <p:nvPr/>
+        </p:nvSpPr>
+        <p:spPr>
+          <a:xfrm flipH="false" flipV="false" rot="0">
+            <a:off x="10273596" y="2498228"/>
+            <a:ext cx="6687109" cy="5644962"/>
+          </a:xfrm>
+          <a:custGeom>
+            <a:avLst/>
+            <a:gdLst/>
+            <a:ahLst/>
+            <a:cxnLst/>
+            <a:rect r="r" b="b" t="t" l="l"/>
+            <a:pathLst>
+              <a:path h="5644962" w="6687109">
+                <a:moveTo>
+                  <a:pt x="0" y="0"/>
+                </a:moveTo>
+                <a:lnTo>
+                  <a:pt x="6687108" y="0"/>
+                </a:lnTo>
+                <a:lnTo>
+                  <a:pt x="6687108" y="5644962"/>
+                </a:lnTo>
+                <a:lnTo>
+                  <a:pt x="0" y="5644962"/>
+                </a:lnTo>
+                <a:lnTo>
+                  <a:pt x="0" y="0"/>
+                </a:lnTo>
+                <a:close/>
+              </a:path>
+            </a:pathLst>
+          </a:custGeom>
+          <a:blipFill>
+            <a:blip r:embed="rId9"/>
+            <a:stretch>
+              <a:fillRect l="0" t="0" r="0" b="0"/>
+            </a:stretch>
+          </a:blipFill>
+        </p:spPr>
+      </p:sp>
+      <p:sp>
+        <p:nvSpPr>
+          <p:cNvPr name="TextBox 11" id="11"/>
           <p:cNvSpPr txBox="true"/>
           <p:nvPr/>
         </p:nvSpPr>
         <p:spPr>
           <a:xfrm rot="0">
             <a:off x="4670850" y="644055"/>
-            <a:ext cx="8946300" cy="1668281"/>
+            <a:ext cx="8946300" cy="1499331"/>
           </a:xfrm>
           <a:prstGeom prst="rect">
             <a:avLst/>
@@ -5884,27 +6177,27 @@
             <a:r>
               <a:rPr lang="en-US" sz="6639">
                 <a:solidFill>
-                  <a:srgbClr val="2083C4"/>
+                  <a:srgbClr val="80C2EE"/>
                 </a:solidFill>
                 <a:latin typeface="Horizon Bold"/>
               </a:rPr>
-              <a:t>RANDOM</a:t>
+              <a:t>GRADIENT </a:t>
             </a:r>
           </a:p>
           <a:p>
             <a:pPr algn="ctr">
               <a:lnSpc>
-                <a:spcPts val="7900"/>
+                <a:spcPts val="5311"/>
               </a:lnSpc>
             </a:pPr>
             <a:r>
               <a:rPr lang="en-US" sz="6639">
                 <a:solidFill>
-                  <a:srgbClr val="2083C4"/>
+                  <a:srgbClr val="BAE1FA"/>
                 </a:solidFill>
                 <a:latin typeface="Horizon Bold"/>
               </a:rPr>
-              <a:t>FOREST</a:t>
+              <a:t>BOOST</a:t>
             </a:r>
           </a:p>
         </p:txBody>
@@ -5941,16 +6234,126 @@
           <a:chExt cx="0" cy="0"/>
         </a:xfrm>
       </p:grpSpPr>
-      <p:sp>
-        <p:nvSpPr>
-          <p:cNvPr name="Freeform 2" id="2"/>
+      <p:grpSp>
+        <p:nvGrpSpPr>
+          <p:cNvPr name="Group 2" id="2"/>
+          <p:cNvGrpSpPr/>
+          <p:nvPr/>
+        </p:nvGrpSpPr>
+        <p:grpSpPr>
+          <a:xfrm rot="0">
+            <a:off x="9686456" y="9872237"/>
+            <a:ext cx="9553175" cy="1241847"/>
+            <a:chOff x="0" y="0"/>
+            <a:chExt cx="3485024" cy="453029"/>
+          </a:xfrm>
+        </p:grpSpPr>
+        <p:sp>
+          <p:nvSpPr>
+            <p:cNvPr name="Freeform 3" id="3"/>
+            <p:cNvSpPr/>
+            <p:nvPr/>
+          </p:nvSpPr>
+          <p:spPr>
+            <a:xfrm flipH="false" flipV="false" rot="0">
+              <a:off x="0" y="0"/>
+              <a:ext cx="3485024" cy="453029"/>
+            </a:xfrm>
+            <a:custGeom>
+              <a:avLst/>
+              <a:gdLst/>
+              <a:ahLst/>
+              <a:cxnLst/>
+              <a:rect r="r" b="b" t="t" l="l"/>
+              <a:pathLst>
+                <a:path h="453029" w="3485024">
+                  <a:moveTo>
+                    <a:pt x="0" y="0"/>
+                  </a:moveTo>
+                  <a:lnTo>
+                    <a:pt x="3485024" y="0"/>
+                  </a:lnTo>
+                  <a:lnTo>
+                    <a:pt x="3485024" y="453029"/>
+                  </a:lnTo>
+                  <a:lnTo>
+                    <a:pt x="0" y="453029"/>
+                  </a:lnTo>
+                  <a:close/>
+                </a:path>
+              </a:pathLst>
+            </a:custGeom>
+            <a:solidFill>
+              <a:srgbClr val="62DBDF"/>
+            </a:solidFill>
+          </p:spPr>
+        </p:sp>
+      </p:grpSp>
+      <p:grpSp>
+        <p:nvGrpSpPr>
+          <p:cNvPr name="Group 4" id="4"/>
+          <p:cNvGrpSpPr/>
+          <p:nvPr/>
+        </p:nvGrpSpPr>
+        <p:grpSpPr>
+          <a:xfrm rot="0">
+            <a:off x="-333948" y="-839272"/>
+            <a:ext cx="8586759" cy="1241847"/>
+            <a:chOff x="0" y="0"/>
+            <a:chExt cx="3132473" cy="453029"/>
+          </a:xfrm>
+        </p:grpSpPr>
+        <p:sp>
+          <p:nvSpPr>
+            <p:cNvPr name="Freeform 5" id="5"/>
+            <p:cNvSpPr/>
+            <p:nvPr/>
+          </p:nvSpPr>
+          <p:spPr>
+            <a:xfrm flipH="false" flipV="false" rot="0">
+              <a:off x="0" y="0"/>
+              <a:ext cx="3132473" cy="453029"/>
+            </a:xfrm>
+            <a:custGeom>
+              <a:avLst/>
+              <a:gdLst/>
+              <a:ahLst/>
+              <a:cxnLst/>
+              <a:rect r="r" b="b" t="t" l="l"/>
+              <a:pathLst>
+                <a:path h="453029" w="3132473">
+                  <a:moveTo>
+                    <a:pt x="0" y="0"/>
+                  </a:moveTo>
+                  <a:lnTo>
+                    <a:pt x="3132473" y="0"/>
+                  </a:lnTo>
+                  <a:lnTo>
+                    <a:pt x="3132473" y="453029"/>
+                  </a:lnTo>
+                  <a:lnTo>
+                    <a:pt x="0" y="453029"/>
+                  </a:lnTo>
+                  <a:close/>
+                </a:path>
+              </a:pathLst>
+            </a:custGeom>
+            <a:solidFill>
+              <a:srgbClr val="62DBDF"/>
+            </a:solidFill>
+          </p:spPr>
+        </p:sp>
+      </p:grpSp>
+      <p:sp>
+        <p:nvSpPr>
+          <p:cNvPr name="Freeform 6" id="6"/>
           <p:cNvSpPr/>
           <p:nvPr/>
         </p:nvSpPr>
         <p:spPr>
-          <a:xfrm flipH="false" flipV="false" rot="0">
-            <a:off x="1444692" y="2811202"/>
-            <a:ext cx="7575458" cy="5440556"/>
+          <a:xfrm flipH="false" flipV="false" rot="-3176038">
+            <a:off x="15776964" y="597462"/>
+            <a:ext cx="1562405" cy="1998424"/>
           </a:xfrm>
           <a:custGeom>
             <a:avLst/>
@@ -5959,18 +6362,18 @@
             <a:cxnLst/>
             <a:rect r="r" b="b" t="t" l="l"/>
             <a:pathLst>
-              <a:path h="5440556" w="7575458">
+              <a:path h="1998424" w="1562405">
                 <a:moveTo>
                   <a:pt x="0" y="0"/>
                 </a:moveTo>
                 <a:lnTo>
-                  <a:pt x="7575458" y="0"/>
-                </a:lnTo>
-                <a:lnTo>
-                  <a:pt x="7575458" y="5440556"/>
-                </a:lnTo>
-                <a:lnTo>
-                  <a:pt x="0" y="5440556"/>
+                  <a:pt x="1562404" y="0"/>
+                </a:lnTo>
+                <a:lnTo>
+                  <a:pt x="1562404" y="1998424"/>
+                </a:lnTo>
+                <a:lnTo>
+                  <a:pt x="0" y="1998424"/>
                 </a:lnTo>
                 <a:lnTo>
                   <a:pt x="0" y="0"/>
@@ -5995,14 +6398,210 @@
       </p:sp>
       <p:sp>
         <p:nvSpPr>
-          <p:cNvPr name="TextBox 3" id="3"/>
+          <p:cNvPr name="Freeform 7" id="7"/>
+          <p:cNvSpPr/>
+          <p:nvPr/>
+        </p:nvSpPr>
+        <p:spPr>
+          <a:xfrm flipH="false" flipV="false" rot="0">
+            <a:off x="1444692" y="1444692"/>
+            <a:ext cx="2514739" cy="2755193"/>
+          </a:xfrm>
+          <a:custGeom>
+            <a:avLst/>
+            <a:gdLst/>
+            <a:ahLst/>
+            <a:cxnLst/>
+            <a:rect r="r" b="b" t="t" l="l"/>
+            <a:pathLst>
+              <a:path h="2755193" w="2514739">
+                <a:moveTo>
+                  <a:pt x="0" y="0"/>
+                </a:moveTo>
+                <a:lnTo>
+                  <a:pt x="2514739" y="0"/>
+                </a:lnTo>
+                <a:lnTo>
+                  <a:pt x="2514739" y="2755192"/>
+                </a:lnTo>
+                <a:lnTo>
+                  <a:pt x="0" y="2755192"/>
+                </a:lnTo>
+                <a:lnTo>
+                  <a:pt x="0" y="0"/>
+                </a:lnTo>
+                <a:close/>
+              </a:path>
+            </a:pathLst>
+          </a:custGeom>
+          <a:blipFill>
+            <a:blip r:embed="rId4">
+              <a:extLst>
+                <a:ext uri="{96DAC541-7B7A-43D3-8B79-37D633B846F1}">
+                  <asvg:svgBlip xmlns:asvg="http://schemas.microsoft.com/office/drawing/2016/SVG/main" r:embed="rId5"/>
+                </a:ext>
+              </a:extLst>
+            </a:blip>
+            <a:stretch>
+              <a:fillRect l="0" t="0" r="0" b="0"/>
+            </a:stretch>
+          </a:blipFill>
+        </p:spPr>
+      </p:sp>
+      <p:sp>
+        <p:nvSpPr>
+          <p:cNvPr name="Freeform 8" id="8"/>
+          <p:cNvSpPr/>
+          <p:nvPr/>
+        </p:nvSpPr>
+        <p:spPr>
+          <a:xfrm flipH="false" flipV="false" rot="0">
+            <a:off x="16286092" y="8329082"/>
+            <a:ext cx="1540244" cy="1149407"/>
+          </a:xfrm>
+          <a:custGeom>
+            <a:avLst/>
+            <a:gdLst/>
+            <a:ahLst/>
+            <a:cxnLst/>
+            <a:rect r="r" b="b" t="t" l="l"/>
+            <a:pathLst>
+              <a:path h="1149407" w="1540244">
+                <a:moveTo>
+                  <a:pt x="0" y="0"/>
+                </a:moveTo>
+                <a:lnTo>
+                  <a:pt x="1540245" y="0"/>
+                </a:lnTo>
+                <a:lnTo>
+                  <a:pt x="1540245" y="1149407"/>
+                </a:lnTo>
+                <a:lnTo>
+                  <a:pt x="0" y="1149407"/>
+                </a:lnTo>
+                <a:lnTo>
+                  <a:pt x="0" y="0"/>
+                </a:lnTo>
+                <a:close/>
+              </a:path>
+            </a:pathLst>
+          </a:custGeom>
+          <a:blipFill>
+            <a:blip r:embed="rId6">
+              <a:extLst>
+                <a:ext uri="{96DAC541-7B7A-43D3-8B79-37D633B846F1}">
+                  <asvg:svgBlip xmlns:asvg="http://schemas.microsoft.com/office/drawing/2016/SVG/main" r:embed="rId7"/>
+                </a:ext>
+              </a:extLst>
+            </a:blip>
+            <a:stretch>
+              <a:fillRect l="0" t="0" r="0" b="0"/>
+            </a:stretch>
+          </a:blipFill>
+        </p:spPr>
+      </p:sp>
+      <p:sp>
+        <p:nvSpPr>
+          <p:cNvPr name="Freeform 9" id="9"/>
+          <p:cNvSpPr/>
+          <p:nvPr/>
+        </p:nvSpPr>
+        <p:spPr>
+          <a:xfrm flipH="false" flipV="false" rot="0">
+            <a:off x="1028700" y="4836603"/>
+            <a:ext cx="8636939" cy="3306587"/>
+          </a:xfrm>
+          <a:custGeom>
+            <a:avLst/>
+            <a:gdLst/>
+            <a:ahLst/>
+            <a:cxnLst/>
+            <a:rect r="r" b="b" t="t" l="l"/>
+            <a:pathLst>
+              <a:path h="3306587" w="8636939">
+                <a:moveTo>
+                  <a:pt x="0" y="0"/>
+                </a:moveTo>
+                <a:lnTo>
+                  <a:pt x="8636939" y="0"/>
+                </a:lnTo>
+                <a:lnTo>
+                  <a:pt x="8636939" y="3306587"/>
+                </a:lnTo>
+                <a:lnTo>
+                  <a:pt x="0" y="3306587"/>
+                </a:lnTo>
+                <a:lnTo>
+                  <a:pt x="0" y="0"/>
+                </a:lnTo>
+                <a:close/>
+              </a:path>
+            </a:pathLst>
+          </a:custGeom>
+          <a:blipFill>
+            <a:blip r:embed="rId8"/>
+            <a:stretch>
+              <a:fillRect l="0" t="0" r="0" b="0"/>
+            </a:stretch>
+          </a:blipFill>
+        </p:spPr>
+      </p:sp>
+      <p:sp>
+        <p:nvSpPr>
+          <p:cNvPr name="Freeform 10" id="10"/>
+          <p:cNvSpPr/>
+          <p:nvPr/>
+        </p:nvSpPr>
+        <p:spPr>
+          <a:xfrm flipH="false" flipV="false" rot="0">
+            <a:off x="10273596" y="2498228"/>
+            <a:ext cx="6687109" cy="5644962"/>
+          </a:xfrm>
+          <a:custGeom>
+            <a:avLst/>
+            <a:gdLst/>
+            <a:ahLst/>
+            <a:cxnLst/>
+            <a:rect r="r" b="b" t="t" l="l"/>
+            <a:pathLst>
+              <a:path h="5644962" w="6687109">
+                <a:moveTo>
+                  <a:pt x="0" y="0"/>
+                </a:moveTo>
+                <a:lnTo>
+                  <a:pt x="6687108" y="0"/>
+                </a:lnTo>
+                <a:lnTo>
+                  <a:pt x="6687108" y="5644962"/>
+                </a:lnTo>
+                <a:lnTo>
+                  <a:pt x="0" y="5644962"/>
+                </a:lnTo>
+                <a:lnTo>
+                  <a:pt x="0" y="0"/>
+                </a:lnTo>
+                <a:close/>
+              </a:path>
+            </a:pathLst>
+          </a:custGeom>
+          <a:blipFill>
+            <a:blip r:embed="rId9"/>
+            <a:stretch>
+              <a:fillRect l="0" t="0" r="0" b="0"/>
+            </a:stretch>
+          </a:blipFill>
+        </p:spPr>
+      </p:sp>
+      <p:sp>
+        <p:nvSpPr>
+          <p:cNvPr name="TextBox 11" id="11"/>
           <p:cNvSpPr txBox="true"/>
           <p:nvPr/>
         </p:nvSpPr>
         <p:spPr>
           <a:xfrm rot="0">
-            <a:off x="10448456" y="3647796"/>
-            <a:ext cx="6678636" cy="923925"/>
+            <a:off x="4670850" y="644055"/>
+            <a:ext cx="8946300" cy="832581"/>
           </a:xfrm>
           <a:prstGeom prst="rect">
             <a:avLst/>
@@ -6014,94 +6613,22 @@
           </a:bodyPr>
           <a:lstStyle/>
           <a:p>
-            <a:pPr>
+            <a:pPr algn="ctr">
               <a:lnSpc>
-                <a:spcPts val="7200"/>
+                <a:spcPts val="5311"/>
               </a:lnSpc>
             </a:pPr>
             <a:r>
-              <a:rPr lang="en-US" sz="6000" spc="600">
+              <a:rPr lang="en-US" sz="6639">
                 <a:solidFill>
-                  <a:srgbClr val="1D1127"/>
+                  <a:srgbClr val="BAE1FA"/>
                 </a:solidFill>
-                <a:latin typeface="Raleway Heavy"/>
+                <a:latin typeface="Horizon Bold"/>
               </a:rPr>
-              <a:t>4. EVALUACIÓN</a:t>
+              <a:t>SVM</a:t>
             </a:r>
           </a:p>
         </p:txBody>
-      </p:sp>
-      <p:sp>
-        <p:nvSpPr>
-          <p:cNvPr name="AutoShape 4" id="4"/>
-          <p:cNvSpPr/>
-          <p:nvPr/>
-        </p:nvSpPr>
-        <p:spPr>
-          <a:xfrm rot="0">
-            <a:off x="1028700" y="9234488"/>
-            <a:ext cx="10094146" cy="0"/>
-          </a:xfrm>
-          <a:prstGeom prst="line">
-            <a:avLst/>
-          </a:prstGeom>
-          <a:ln cap="flat" w="47625">
-            <a:solidFill>
-              <a:srgbClr val="62DBDF"/>
-            </a:solidFill>
-            <a:prstDash val="solid"/>
-            <a:headEnd type="none" len="sm" w="sm"/>
-            <a:tailEnd type="none" len="sm" w="sm"/>
-          </a:ln>
-        </p:spPr>
-      </p:sp>
-      <p:sp>
-        <p:nvSpPr>
-          <p:cNvPr name="AutoShape 5" id="5"/>
-          <p:cNvSpPr/>
-          <p:nvPr/>
-        </p:nvSpPr>
-        <p:spPr>
-          <a:xfrm>
-            <a:off x="10448549" y="5167312"/>
-            <a:ext cx="6071003" cy="23812"/>
-          </a:xfrm>
-          <a:prstGeom prst="line">
-            <a:avLst/>
-          </a:prstGeom>
-          <a:ln cap="flat" w="47625">
-            <a:solidFill>
-              <a:srgbClr val="62DBDF"/>
-            </a:solidFill>
-            <a:prstDash val="solid"/>
-            <a:headEnd type="none" len="sm" w="sm"/>
-            <a:tailEnd type="none" len="sm" w="sm"/>
-          </a:ln>
-        </p:spPr>
-      </p:sp>
-      <p:sp>
-        <p:nvSpPr>
-          <p:cNvPr name="AutoShape 6" id="6"/>
-          <p:cNvSpPr/>
-          <p:nvPr/>
-        </p:nvSpPr>
-        <p:spPr>
-          <a:xfrm rot="0">
-            <a:off x="7165154" y="1028700"/>
-            <a:ext cx="10094146" cy="0"/>
-          </a:xfrm>
-          <a:prstGeom prst="line">
-            <a:avLst/>
-          </a:prstGeom>
-          <a:ln cap="flat" w="47625">
-            <a:solidFill>
-              <a:srgbClr val="62DBDF"/>
-            </a:solidFill>
-            <a:prstDash val="solid"/>
-            <a:headEnd type="none" len="sm" w="sm"/>
-            <a:tailEnd type="none" len="sm" w="sm"/>
-          </a:ln>
-        </p:spPr>
       </p:sp>
     </p:spTree>
   </p:cSld>
@@ -6143,10 +6670,10 @@
         </p:nvGrpSpPr>
         <p:grpSpPr>
           <a:xfrm rot="0">
-            <a:off x="12254865" y="-280035"/>
-            <a:ext cx="6960870" cy="10999470"/>
+            <a:off x="9686456" y="9872237"/>
+            <a:ext cx="9553175" cy="1241847"/>
             <a:chOff x="0" y="0"/>
-            <a:chExt cx="2539344" cy="4012636"/>
+            <a:chExt cx="3485024" cy="453029"/>
           </a:xfrm>
         </p:grpSpPr>
         <p:sp>
@@ -6158,7 +6685,7 @@
           <p:spPr>
             <a:xfrm flipH="false" flipV="false" rot="0">
               <a:off x="0" y="0"/>
-              <a:ext cx="2539344" cy="4012636"/>
+              <a:ext cx="3485024" cy="453029"/>
             </a:xfrm>
             <a:custGeom>
               <a:avLst/>
@@ -6167,18 +6694,18 @@
               <a:cxnLst/>
               <a:rect r="r" b="b" t="t" l="l"/>
               <a:pathLst>
-                <a:path h="4012636" w="2539344">
+                <a:path h="453029" w="3485024">
                   <a:moveTo>
                     <a:pt x="0" y="0"/>
                   </a:moveTo>
                   <a:lnTo>
-                    <a:pt x="2539344" y="0"/>
-                  </a:lnTo>
-                  <a:lnTo>
-                    <a:pt x="2539344" y="4012636"/>
-                  </a:lnTo>
-                  <a:lnTo>
-                    <a:pt x="0" y="4012636"/>
+                    <a:pt x="3485024" y="0"/>
+                  </a:lnTo>
+                  <a:lnTo>
+                    <a:pt x="3485024" y="453029"/>
+                  </a:lnTo>
+                  <a:lnTo>
+                    <a:pt x="0" y="453029"/>
                   </a:lnTo>
                   <a:close/>
                 </a:path>
@@ -6190,16 +6717,71 @@
           </p:spPr>
         </p:sp>
       </p:grpSp>
-      <p:sp>
-        <p:nvSpPr>
-          <p:cNvPr name="Freeform 4" id="4"/>
+      <p:grpSp>
+        <p:nvGrpSpPr>
+          <p:cNvPr name="Group 4" id="4"/>
+          <p:cNvGrpSpPr/>
+          <p:nvPr/>
+        </p:nvGrpSpPr>
+        <p:grpSpPr>
+          <a:xfrm rot="0">
+            <a:off x="-333948" y="-839272"/>
+            <a:ext cx="8586759" cy="1241847"/>
+            <a:chOff x="0" y="0"/>
+            <a:chExt cx="3132473" cy="453029"/>
+          </a:xfrm>
+        </p:grpSpPr>
+        <p:sp>
+          <p:nvSpPr>
+            <p:cNvPr name="Freeform 5" id="5"/>
+            <p:cNvSpPr/>
+            <p:nvPr/>
+          </p:nvSpPr>
+          <p:spPr>
+            <a:xfrm flipH="false" flipV="false" rot="0">
+              <a:off x="0" y="0"/>
+              <a:ext cx="3132473" cy="453029"/>
+            </a:xfrm>
+            <a:custGeom>
+              <a:avLst/>
+              <a:gdLst/>
+              <a:ahLst/>
+              <a:cxnLst/>
+              <a:rect r="r" b="b" t="t" l="l"/>
+              <a:pathLst>
+                <a:path h="453029" w="3132473">
+                  <a:moveTo>
+                    <a:pt x="0" y="0"/>
+                  </a:moveTo>
+                  <a:lnTo>
+                    <a:pt x="3132473" y="0"/>
+                  </a:lnTo>
+                  <a:lnTo>
+                    <a:pt x="3132473" y="453029"/>
+                  </a:lnTo>
+                  <a:lnTo>
+                    <a:pt x="0" y="453029"/>
+                  </a:lnTo>
+                  <a:close/>
+                </a:path>
+              </a:pathLst>
+            </a:custGeom>
+            <a:solidFill>
+              <a:srgbClr val="62DBDF"/>
+            </a:solidFill>
+          </p:spPr>
+        </p:sp>
+      </p:grpSp>
+      <p:sp>
+        <p:nvSpPr>
+          <p:cNvPr name="Freeform 6" id="6"/>
           <p:cNvSpPr/>
           <p:nvPr/>
         </p:nvSpPr>
         <p:spPr>
-          <a:xfrm flipH="false" flipV="false" rot="0">
-            <a:off x="13265229" y="2754653"/>
-            <a:ext cx="4244163" cy="4244163"/>
+          <a:xfrm flipH="false" flipV="false" rot="-3176038">
+            <a:off x="15776964" y="597462"/>
+            <a:ext cx="1562405" cy="1998424"/>
           </a:xfrm>
           <a:custGeom>
             <a:avLst/>
@@ -6208,18 +6790,18 @@
             <a:cxnLst/>
             <a:rect r="r" b="b" t="t" l="l"/>
             <a:pathLst>
-              <a:path h="4244163" w="4244163">
+              <a:path h="1998424" w="1562405">
                 <a:moveTo>
                   <a:pt x="0" y="0"/>
                 </a:moveTo>
                 <a:lnTo>
-                  <a:pt x="4244163" y="0"/>
-                </a:lnTo>
-                <a:lnTo>
-                  <a:pt x="4244163" y="4244163"/>
-                </a:lnTo>
-                <a:lnTo>
-                  <a:pt x="0" y="4244163"/>
+                  <a:pt x="1562404" y="0"/>
+                </a:lnTo>
+                <a:lnTo>
+                  <a:pt x="1562404" y="1998424"/>
+                </a:lnTo>
+                <a:lnTo>
+                  <a:pt x="0" y="1998424"/>
                 </a:lnTo>
                 <a:lnTo>
                   <a:pt x="0" y="0"/>
@@ -6229,7 +6811,13 @@
             </a:pathLst>
           </a:custGeom>
           <a:blipFill>
-            <a:blip r:embed="rId2"/>
+            <a:blip r:embed="rId2">
+              <a:extLst>
+                <a:ext uri="{96DAC541-7B7A-43D3-8B79-37D633B846F1}">
+                  <asvg:svgBlip xmlns:asvg="http://schemas.microsoft.com/office/drawing/2016/SVG/main" r:embed="rId3"/>
+                </a:ext>
+              </a:extLst>
+            </a:blip>
             <a:stretch>
               <a:fillRect l="0" t="0" r="0" b="0"/>
             </a:stretch>
@@ -6238,14 +6826,210 @@
       </p:sp>
       <p:sp>
         <p:nvSpPr>
-          <p:cNvPr name="TextBox 5" id="5"/>
+          <p:cNvPr name="Freeform 7" id="7"/>
+          <p:cNvSpPr/>
+          <p:nvPr/>
+        </p:nvSpPr>
+        <p:spPr>
+          <a:xfrm flipH="false" flipV="false" rot="0">
+            <a:off x="1444692" y="1444692"/>
+            <a:ext cx="2514739" cy="2755193"/>
+          </a:xfrm>
+          <a:custGeom>
+            <a:avLst/>
+            <a:gdLst/>
+            <a:ahLst/>
+            <a:cxnLst/>
+            <a:rect r="r" b="b" t="t" l="l"/>
+            <a:pathLst>
+              <a:path h="2755193" w="2514739">
+                <a:moveTo>
+                  <a:pt x="0" y="0"/>
+                </a:moveTo>
+                <a:lnTo>
+                  <a:pt x="2514739" y="0"/>
+                </a:lnTo>
+                <a:lnTo>
+                  <a:pt x="2514739" y="2755192"/>
+                </a:lnTo>
+                <a:lnTo>
+                  <a:pt x="0" y="2755192"/>
+                </a:lnTo>
+                <a:lnTo>
+                  <a:pt x="0" y="0"/>
+                </a:lnTo>
+                <a:close/>
+              </a:path>
+            </a:pathLst>
+          </a:custGeom>
+          <a:blipFill>
+            <a:blip r:embed="rId4">
+              <a:extLst>
+                <a:ext uri="{96DAC541-7B7A-43D3-8B79-37D633B846F1}">
+                  <asvg:svgBlip xmlns:asvg="http://schemas.microsoft.com/office/drawing/2016/SVG/main" r:embed="rId5"/>
+                </a:ext>
+              </a:extLst>
+            </a:blip>
+            <a:stretch>
+              <a:fillRect l="0" t="0" r="0" b="0"/>
+            </a:stretch>
+          </a:blipFill>
+        </p:spPr>
+      </p:sp>
+      <p:sp>
+        <p:nvSpPr>
+          <p:cNvPr name="Freeform 8" id="8"/>
+          <p:cNvSpPr/>
+          <p:nvPr/>
+        </p:nvSpPr>
+        <p:spPr>
+          <a:xfrm flipH="false" flipV="false" rot="0">
+            <a:off x="16286092" y="8329082"/>
+            <a:ext cx="1540244" cy="1149407"/>
+          </a:xfrm>
+          <a:custGeom>
+            <a:avLst/>
+            <a:gdLst/>
+            <a:ahLst/>
+            <a:cxnLst/>
+            <a:rect r="r" b="b" t="t" l="l"/>
+            <a:pathLst>
+              <a:path h="1149407" w="1540244">
+                <a:moveTo>
+                  <a:pt x="0" y="0"/>
+                </a:moveTo>
+                <a:lnTo>
+                  <a:pt x="1540245" y="0"/>
+                </a:lnTo>
+                <a:lnTo>
+                  <a:pt x="1540245" y="1149407"/>
+                </a:lnTo>
+                <a:lnTo>
+                  <a:pt x="0" y="1149407"/>
+                </a:lnTo>
+                <a:lnTo>
+                  <a:pt x="0" y="0"/>
+                </a:lnTo>
+                <a:close/>
+              </a:path>
+            </a:pathLst>
+          </a:custGeom>
+          <a:blipFill>
+            <a:blip r:embed="rId6">
+              <a:extLst>
+                <a:ext uri="{96DAC541-7B7A-43D3-8B79-37D633B846F1}">
+                  <asvg:svgBlip xmlns:asvg="http://schemas.microsoft.com/office/drawing/2016/SVG/main" r:embed="rId7"/>
+                </a:ext>
+              </a:extLst>
+            </a:blip>
+            <a:stretch>
+              <a:fillRect l="0" t="0" r="0" b="0"/>
+            </a:stretch>
+          </a:blipFill>
+        </p:spPr>
+      </p:sp>
+      <p:sp>
+        <p:nvSpPr>
+          <p:cNvPr name="Freeform 9" id="9"/>
+          <p:cNvSpPr/>
+          <p:nvPr/>
+        </p:nvSpPr>
+        <p:spPr>
+          <a:xfrm flipH="false" flipV="false" rot="0">
+            <a:off x="713147" y="4699046"/>
+            <a:ext cx="9288388" cy="3444144"/>
+          </a:xfrm>
+          <a:custGeom>
+            <a:avLst/>
+            <a:gdLst/>
+            <a:ahLst/>
+            <a:cxnLst/>
+            <a:rect r="r" b="b" t="t" l="l"/>
+            <a:pathLst>
+              <a:path h="3444144" w="9288388">
+                <a:moveTo>
+                  <a:pt x="0" y="0"/>
+                </a:moveTo>
+                <a:lnTo>
+                  <a:pt x="9288388" y="0"/>
+                </a:lnTo>
+                <a:lnTo>
+                  <a:pt x="9288388" y="3444144"/>
+                </a:lnTo>
+                <a:lnTo>
+                  <a:pt x="0" y="3444144"/>
+                </a:lnTo>
+                <a:lnTo>
+                  <a:pt x="0" y="0"/>
+                </a:lnTo>
+                <a:close/>
+              </a:path>
+            </a:pathLst>
+          </a:custGeom>
+          <a:blipFill>
+            <a:blip r:embed="rId8"/>
+            <a:stretch>
+              <a:fillRect l="0" t="0" r="0" b="0"/>
+            </a:stretch>
+          </a:blipFill>
+        </p:spPr>
+      </p:sp>
+      <p:sp>
+        <p:nvSpPr>
+          <p:cNvPr name="Freeform 10" id="10"/>
+          <p:cNvSpPr/>
+          <p:nvPr/>
+        </p:nvSpPr>
+        <p:spPr>
+          <a:xfrm flipH="false" flipV="false" rot="0">
+            <a:off x="10369106" y="2498228"/>
+            <a:ext cx="6687109" cy="5644962"/>
+          </a:xfrm>
+          <a:custGeom>
+            <a:avLst/>
+            <a:gdLst/>
+            <a:ahLst/>
+            <a:cxnLst/>
+            <a:rect r="r" b="b" t="t" l="l"/>
+            <a:pathLst>
+              <a:path h="5644962" w="6687109">
+                <a:moveTo>
+                  <a:pt x="0" y="0"/>
+                </a:moveTo>
+                <a:lnTo>
+                  <a:pt x="6687109" y="0"/>
+                </a:lnTo>
+                <a:lnTo>
+                  <a:pt x="6687109" y="5644962"/>
+                </a:lnTo>
+                <a:lnTo>
+                  <a:pt x="0" y="5644962"/>
+                </a:lnTo>
+                <a:lnTo>
+                  <a:pt x="0" y="0"/>
+                </a:lnTo>
+                <a:close/>
+              </a:path>
+            </a:pathLst>
+          </a:custGeom>
+          <a:blipFill>
+            <a:blip r:embed="rId9"/>
+            <a:stretch>
+              <a:fillRect l="0" t="0" r="0" b="0"/>
+            </a:stretch>
+          </a:blipFill>
+        </p:spPr>
+      </p:sp>
+      <p:sp>
+        <p:nvSpPr>
+          <p:cNvPr name="TextBox 11" id="11"/>
           <p:cNvSpPr txBox="true"/>
           <p:nvPr/>
         </p:nvSpPr>
         <p:spPr>
           <a:xfrm rot="0">
-            <a:off x="1726326" y="2548103"/>
-            <a:ext cx="7653498" cy="3038475"/>
+            <a:off x="4670850" y="644055"/>
+            <a:ext cx="8946300" cy="832581"/>
           </a:xfrm>
           <a:prstGeom prst="rect">
             <a:avLst/>
@@ -6259,20 +7043,596 @@
           <a:p>
             <a:pPr algn="ctr">
               <a:lnSpc>
-                <a:spcPts val="11999"/>
+                <a:spcPts val="5311"/>
               </a:lnSpc>
             </a:pPr>
             <a:r>
-              <a:rPr lang="en-US" sz="9999" spc="999">
+              <a:rPr lang="en-US" sz="6639">
+                <a:solidFill>
+                  <a:srgbClr val="DAF0FE"/>
+                </a:solidFill>
+                <a:latin typeface="Horizon Bold"/>
+              </a:rPr>
+              <a:t>KNN</a:t>
+            </a:r>
+          </a:p>
+        </p:txBody>
+      </p:sp>
+    </p:spTree>
+  </p:cSld>
+  <p:clrMapOvr>
+    <a:masterClrMapping/>
+  </p:clrMapOvr>
+</p:sld>
+</file>
+
+<file path=ppt/slides/slide18.xml><?xml version="1.0" encoding="utf-8"?>
+<p:sld xmlns:p="http://schemas.openxmlformats.org/presentationml/2006/main" xmlns:a="http://schemas.openxmlformats.org/drawingml/2006/main" xmlns:r="http://schemas.openxmlformats.org/officeDocument/2006/relationships">
+  <p:cSld>
+    <p:bg>
+      <p:bgPr>
+        <a:solidFill>
+          <a:srgbClr val="F6F6F6"/>
+        </a:solidFill>
+      </p:bgPr>
+    </p:bg>
+    <p:spTree>
+      <p:nvGrpSpPr>
+        <p:cNvPr id="1" name=""/>
+        <p:cNvGrpSpPr/>
+        <p:nvPr/>
+      </p:nvGrpSpPr>
+      <p:grpSpPr>
+        <a:xfrm>
+          <a:off x="0" y="0"/>
+          <a:ext cx="0" cy="0"/>
+          <a:chOff x="0" y="0"/>
+          <a:chExt cx="0" cy="0"/>
+        </a:xfrm>
+      </p:grpSpPr>
+      <p:grpSp>
+        <p:nvGrpSpPr>
+          <p:cNvPr name="Group 2" id="2"/>
+          <p:cNvGrpSpPr/>
+          <p:nvPr/>
+        </p:nvGrpSpPr>
+        <p:grpSpPr>
+          <a:xfrm rot="0">
+            <a:off x="9686456" y="9872237"/>
+            <a:ext cx="9553175" cy="1241847"/>
+            <a:chOff x="0" y="0"/>
+            <a:chExt cx="3485024" cy="453029"/>
+          </a:xfrm>
+        </p:grpSpPr>
+        <p:sp>
+          <p:nvSpPr>
+            <p:cNvPr name="Freeform 3" id="3"/>
+            <p:cNvSpPr/>
+            <p:nvPr/>
+          </p:nvSpPr>
+          <p:spPr>
+            <a:xfrm flipH="false" flipV="false" rot="0">
+              <a:off x="0" y="0"/>
+              <a:ext cx="3485024" cy="453029"/>
+            </a:xfrm>
+            <a:custGeom>
+              <a:avLst/>
+              <a:gdLst/>
+              <a:ahLst/>
+              <a:cxnLst/>
+              <a:rect r="r" b="b" t="t" l="l"/>
+              <a:pathLst>
+                <a:path h="453029" w="3485024">
+                  <a:moveTo>
+                    <a:pt x="0" y="0"/>
+                  </a:moveTo>
+                  <a:lnTo>
+                    <a:pt x="3485024" y="0"/>
+                  </a:lnTo>
+                  <a:lnTo>
+                    <a:pt x="3485024" y="453029"/>
+                  </a:lnTo>
+                  <a:lnTo>
+                    <a:pt x="0" y="453029"/>
+                  </a:lnTo>
+                  <a:close/>
+                </a:path>
+              </a:pathLst>
+            </a:custGeom>
+            <a:solidFill>
+              <a:srgbClr val="62DBDF"/>
+            </a:solidFill>
+          </p:spPr>
+        </p:sp>
+      </p:grpSp>
+      <p:grpSp>
+        <p:nvGrpSpPr>
+          <p:cNvPr name="Group 4" id="4"/>
+          <p:cNvGrpSpPr/>
+          <p:nvPr/>
+        </p:nvGrpSpPr>
+        <p:grpSpPr>
+          <a:xfrm rot="0">
+            <a:off x="-333948" y="-839272"/>
+            <a:ext cx="8586759" cy="1241847"/>
+            <a:chOff x="0" y="0"/>
+            <a:chExt cx="3132473" cy="453029"/>
+          </a:xfrm>
+        </p:grpSpPr>
+        <p:sp>
+          <p:nvSpPr>
+            <p:cNvPr name="Freeform 5" id="5"/>
+            <p:cNvSpPr/>
+            <p:nvPr/>
+          </p:nvSpPr>
+          <p:spPr>
+            <a:xfrm flipH="false" flipV="false" rot="0">
+              <a:off x="0" y="0"/>
+              <a:ext cx="3132473" cy="453029"/>
+            </a:xfrm>
+            <a:custGeom>
+              <a:avLst/>
+              <a:gdLst/>
+              <a:ahLst/>
+              <a:cxnLst/>
+              <a:rect r="r" b="b" t="t" l="l"/>
+              <a:pathLst>
+                <a:path h="453029" w="3132473">
+                  <a:moveTo>
+                    <a:pt x="0" y="0"/>
+                  </a:moveTo>
+                  <a:lnTo>
+                    <a:pt x="3132473" y="0"/>
+                  </a:lnTo>
+                  <a:lnTo>
+                    <a:pt x="3132473" y="453029"/>
+                  </a:lnTo>
+                  <a:lnTo>
+                    <a:pt x="0" y="453029"/>
+                  </a:lnTo>
+                  <a:close/>
+                </a:path>
+              </a:pathLst>
+            </a:custGeom>
+            <a:solidFill>
+              <a:srgbClr val="62DBDF"/>
+            </a:solidFill>
+          </p:spPr>
+        </p:sp>
+      </p:grpSp>
+      <p:sp>
+        <p:nvSpPr>
+          <p:cNvPr name="Freeform 6" id="6"/>
+          <p:cNvSpPr/>
+          <p:nvPr/>
+        </p:nvSpPr>
+        <p:spPr>
+          <a:xfrm flipH="false" flipV="false" rot="-3176038">
+            <a:off x="15776964" y="597462"/>
+            <a:ext cx="1562405" cy="1998424"/>
+          </a:xfrm>
+          <a:custGeom>
+            <a:avLst/>
+            <a:gdLst/>
+            <a:ahLst/>
+            <a:cxnLst/>
+            <a:rect r="r" b="b" t="t" l="l"/>
+            <a:pathLst>
+              <a:path h="1998424" w="1562405">
+                <a:moveTo>
+                  <a:pt x="0" y="0"/>
+                </a:moveTo>
+                <a:lnTo>
+                  <a:pt x="1562404" y="0"/>
+                </a:lnTo>
+                <a:lnTo>
+                  <a:pt x="1562404" y="1998424"/>
+                </a:lnTo>
+                <a:lnTo>
+                  <a:pt x="0" y="1998424"/>
+                </a:lnTo>
+                <a:lnTo>
+                  <a:pt x="0" y="0"/>
+                </a:lnTo>
+                <a:close/>
+              </a:path>
+            </a:pathLst>
+          </a:custGeom>
+          <a:blipFill>
+            <a:blip r:embed="rId2">
+              <a:extLst>
+                <a:ext uri="{96DAC541-7B7A-43D3-8B79-37D633B846F1}">
+                  <asvg:svgBlip xmlns:asvg="http://schemas.microsoft.com/office/drawing/2016/SVG/main" r:embed="rId3"/>
+                </a:ext>
+              </a:extLst>
+            </a:blip>
+            <a:stretch>
+              <a:fillRect l="0" t="0" r="0" b="0"/>
+            </a:stretch>
+          </a:blipFill>
+        </p:spPr>
+      </p:sp>
+      <p:sp>
+        <p:nvSpPr>
+          <p:cNvPr name="Freeform 7" id="7"/>
+          <p:cNvSpPr/>
+          <p:nvPr/>
+        </p:nvSpPr>
+        <p:spPr>
+          <a:xfrm flipH="false" flipV="false" rot="0">
+            <a:off x="1444692" y="1444692"/>
+            <a:ext cx="2514739" cy="2755193"/>
+          </a:xfrm>
+          <a:custGeom>
+            <a:avLst/>
+            <a:gdLst/>
+            <a:ahLst/>
+            <a:cxnLst/>
+            <a:rect r="r" b="b" t="t" l="l"/>
+            <a:pathLst>
+              <a:path h="2755193" w="2514739">
+                <a:moveTo>
+                  <a:pt x="0" y="0"/>
+                </a:moveTo>
+                <a:lnTo>
+                  <a:pt x="2514739" y="0"/>
+                </a:lnTo>
+                <a:lnTo>
+                  <a:pt x="2514739" y="2755192"/>
+                </a:lnTo>
+                <a:lnTo>
+                  <a:pt x="0" y="2755192"/>
+                </a:lnTo>
+                <a:lnTo>
+                  <a:pt x="0" y="0"/>
+                </a:lnTo>
+                <a:close/>
+              </a:path>
+            </a:pathLst>
+          </a:custGeom>
+          <a:blipFill>
+            <a:blip r:embed="rId4">
+              <a:extLst>
+                <a:ext uri="{96DAC541-7B7A-43D3-8B79-37D633B846F1}">
+                  <asvg:svgBlip xmlns:asvg="http://schemas.microsoft.com/office/drawing/2016/SVG/main" r:embed="rId5"/>
+                </a:ext>
+              </a:extLst>
+            </a:blip>
+            <a:stretch>
+              <a:fillRect l="0" t="0" r="0" b="0"/>
+            </a:stretch>
+          </a:blipFill>
+        </p:spPr>
+      </p:sp>
+      <p:sp>
+        <p:nvSpPr>
+          <p:cNvPr name="Freeform 8" id="8"/>
+          <p:cNvSpPr/>
+          <p:nvPr/>
+        </p:nvSpPr>
+        <p:spPr>
+          <a:xfrm flipH="false" flipV="false" rot="0">
+            <a:off x="16286092" y="8329082"/>
+            <a:ext cx="1540244" cy="1149407"/>
+          </a:xfrm>
+          <a:custGeom>
+            <a:avLst/>
+            <a:gdLst/>
+            <a:ahLst/>
+            <a:cxnLst/>
+            <a:rect r="r" b="b" t="t" l="l"/>
+            <a:pathLst>
+              <a:path h="1149407" w="1540244">
+                <a:moveTo>
+                  <a:pt x="0" y="0"/>
+                </a:moveTo>
+                <a:lnTo>
+                  <a:pt x="1540245" y="0"/>
+                </a:lnTo>
+                <a:lnTo>
+                  <a:pt x="1540245" y="1149407"/>
+                </a:lnTo>
+                <a:lnTo>
+                  <a:pt x="0" y="1149407"/>
+                </a:lnTo>
+                <a:lnTo>
+                  <a:pt x="0" y="0"/>
+                </a:lnTo>
+                <a:close/>
+              </a:path>
+            </a:pathLst>
+          </a:custGeom>
+          <a:blipFill>
+            <a:blip r:embed="rId6">
+              <a:extLst>
+                <a:ext uri="{96DAC541-7B7A-43D3-8B79-37D633B846F1}">
+                  <asvg:svgBlip xmlns:asvg="http://schemas.microsoft.com/office/drawing/2016/SVG/main" r:embed="rId7"/>
+                </a:ext>
+              </a:extLst>
+            </a:blip>
+            <a:stretch>
+              <a:fillRect l="0" t="0" r="0" b="0"/>
+            </a:stretch>
+          </a:blipFill>
+        </p:spPr>
+      </p:sp>
+      <p:sp>
+        <p:nvSpPr>
+          <p:cNvPr name="Freeform 9" id="9"/>
+          <p:cNvSpPr/>
+          <p:nvPr/>
+        </p:nvSpPr>
+        <p:spPr>
+          <a:xfrm flipH="false" flipV="false" rot="0">
+            <a:off x="4789762" y="2222680"/>
+            <a:ext cx="8708476" cy="6681106"/>
+          </a:xfrm>
+          <a:custGeom>
+            <a:avLst/>
+            <a:gdLst/>
+            <a:ahLst/>
+            <a:cxnLst/>
+            <a:rect r="r" b="b" t="t" l="l"/>
+            <a:pathLst>
+              <a:path h="6681106" w="8708476">
+                <a:moveTo>
+                  <a:pt x="0" y="0"/>
+                </a:moveTo>
+                <a:lnTo>
+                  <a:pt x="8708476" y="0"/>
+                </a:lnTo>
+                <a:lnTo>
+                  <a:pt x="8708476" y="6681106"/>
+                </a:lnTo>
+                <a:lnTo>
+                  <a:pt x="0" y="6681106"/>
+                </a:lnTo>
+                <a:lnTo>
+                  <a:pt x="0" y="0"/>
+                </a:lnTo>
+                <a:close/>
+              </a:path>
+            </a:pathLst>
+          </a:custGeom>
+          <a:blipFill>
+            <a:blip r:embed="rId8"/>
+            <a:stretch>
+              <a:fillRect l="0" t="0" r="0" b="0"/>
+            </a:stretch>
+          </a:blipFill>
+        </p:spPr>
+      </p:sp>
+      <p:sp>
+        <p:nvSpPr>
+          <p:cNvPr name="TextBox 10" id="10"/>
+          <p:cNvSpPr txBox="true"/>
+          <p:nvPr/>
+        </p:nvSpPr>
+        <p:spPr>
+          <a:xfrm rot="0">
+            <a:off x="4670850" y="644055"/>
+            <a:ext cx="8946300" cy="832581"/>
+          </a:xfrm>
+          <a:prstGeom prst="rect">
+            <a:avLst/>
+          </a:prstGeom>
+        </p:spPr>
+        <p:txBody>
+          <a:bodyPr anchor="t" rtlCol="false" tIns="0" lIns="0" bIns="0" rIns="0">
+            <a:spAutoFit/>
+          </a:bodyPr>
+          <a:lstStyle/>
+          <a:p>
+            <a:pPr algn="ctr">
+              <a:lnSpc>
+                <a:spcPts val="5311"/>
+              </a:lnSpc>
+            </a:pPr>
+            <a:r>
+              <a:rPr lang="en-US" sz="6639">
+                <a:solidFill>
+                  <a:srgbClr val="FF5757"/>
+                </a:solidFill>
+                <a:latin typeface="Horizon Bold"/>
+              </a:rPr>
+              <a:t>PCA</a:t>
+            </a:r>
+          </a:p>
+        </p:txBody>
+      </p:sp>
+    </p:spTree>
+  </p:cSld>
+  <p:clrMapOvr>
+    <a:masterClrMapping/>
+  </p:clrMapOvr>
+</p:sld>
+</file>
+
+<file path=ppt/slides/slide19.xml><?xml version="1.0" encoding="utf-8"?>
+<p:sld xmlns:p="http://schemas.openxmlformats.org/presentationml/2006/main" xmlns:a="http://schemas.openxmlformats.org/drawingml/2006/main" xmlns:r="http://schemas.openxmlformats.org/officeDocument/2006/relationships">
+  <p:cSld>
+    <p:bg>
+      <p:bgPr>
+        <a:solidFill>
+          <a:srgbClr val="F6F6F6"/>
+        </a:solidFill>
+      </p:bgPr>
+    </p:bg>
+    <p:spTree>
+      <p:nvGrpSpPr>
+        <p:cNvPr id="1" name=""/>
+        <p:cNvGrpSpPr/>
+        <p:nvPr/>
+      </p:nvGrpSpPr>
+      <p:grpSpPr>
+        <a:xfrm>
+          <a:off x="0" y="0"/>
+          <a:ext cx="0" cy="0"/>
+          <a:chOff x="0" y="0"/>
+          <a:chExt cx="0" cy="0"/>
+        </a:xfrm>
+      </p:grpSpPr>
+      <p:sp>
+        <p:nvSpPr>
+          <p:cNvPr name="Freeform 2" id="2"/>
+          <p:cNvSpPr/>
+          <p:nvPr/>
+        </p:nvSpPr>
+        <p:spPr>
+          <a:xfrm flipH="false" flipV="false" rot="0">
+            <a:off x="1444692" y="2811202"/>
+            <a:ext cx="7575458" cy="5440556"/>
+          </a:xfrm>
+          <a:custGeom>
+            <a:avLst/>
+            <a:gdLst/>
+            <a:ahLst/>
+            <a:cxnLst/>
+            <a:rect r="r" b="b" t="t" l="l"/>
+            <a:pathLst>
+              <a:path h="5440556" w="7575458">
+                <a:moveTo>
+                  <a:pt x="0" y="0"/>
+                </a:moveTo>
+                <a:lnTo>
+                  <a:pt x="7575458" y="0"/>
+                </a:lnTo>
+                <a:lnTo>
+                  <a:pt x="7575458" y="5440556"/>
+                </a:lnTo>
+                <a:lnTo>
+                  <a:pt x="0" y="5440556"/>
+                </a:lnTo>
+                <a:lnTo>
+                  <a:pt x="0" y="0"/>
+                </a:lnTo>
+                <a:close/>
+              </a:path>
+            </a:pathLst>
+          </a:custGeom>
+          <a:blipFill>
+            <a:blip r:embed="rId2">
+              <a:extLst>
+                <a:ext uri="{96DAC541-7B7A-43D3-8B79-37D633B846F1}">
+                  <asvg:svgBlip xmlns:asvg="http://schemas.microsoft.com/office/drawing/2016/SVG/main" r:embed="rId3"/>
+                </a:ext>
+              </a:extLst>
+            </a:blip>
+            <a:stretch>
+              <a:fillRect l="0" t="0" r="0" b="0"/>
+            </a:stretch>
+          </a:blipFill>
+        </p:spPr>
+      </p:sp>
+      <p:sp>
+        <p:nvSpPr>
+          <p:cNvPr name="TextBox 3" id="3"/>
+          <p:cNvSpPr txBox="true"/>
+          <p:nvPr/>
+        </p:nvSpPr>
+        <p:spPr>
+          <a:xfrm rot="0">
+            <a:off x="10448456" y="3647796"/>
+            <a:ext cx="6678636" cy="923925"/>
+          </a:xfrm>
+          <a:prstGeom prst="rect">
+            <a:avLst/>
+          </a:prstGeom>
+        </p:spPr>
+        <p:txBody>
+          <a:bodyPr anchor="t" rtlCol="false" tIns="0" lIns="0" bIns="0" rIns="0">
+            <a:spAutoFit/>
+          </a:bodyPr>
+          <a:lstStyle/>
+          <a:p>
+            <a:pPr>
+              <a:lnSpc>
+                <a:spcPts val="7200"/>
+              </a:lnSpc>
+            </a:pPr>
+            <a:r>
+              <a:rPr lang="en-US" sz="6000" spc="600">
                 <a:solidFill>
                   <a:srgbClr val="1D1127"/>
                 </a:solidFill>
                 <a:latin typeface="Raleway Heavy"/>
               </a:rPr>
-              <a:t>¡MUCHAS GRACIAS!</a:t>
+              <a:t>4. EVALUACIÓN</a:t>
             </a:r>
           </a:p>
         </p:txBody>
+      </p:sp>
+      <p:sp>
+        <p:nvSpPr>
+          <p:cNvPr name="AutoShape 4" id="4"/>
+          <p:cNvSpPr/>
+          <p:nvPr/>
+        </p:nvSpPr>
+        <p:spPr>
+          <a:xfrm rot="0">
+            <a:off x="1028700" y="9234488"/>
+            <a:ext cx="10094146" cy="0"/>
+          </a:xfrm>
+          <a:prstGeom prst="line">
+            <a:avLst/>
+          </a:prstGeom>
+          <a:ln cap="flat" w="47625">
+            <a:solidFill>
+              <a:srgbClr val="62DBDF"/>
+            </a:solidFill>
+            <a:prstDash val="solid"/>
+            <a:headEnd type="none" len="sm" w="sm"/>
+            <a:tailEnd type="none" len="sm" w="sm"/>
+          </a:ln>
+        </p:spPr>
+      </p:sp>
+      <p:sp>
+        <p:nvSpPr>
+          <p:cNvPr name="AutoShape 5" id="5"/>
+          <p:cNvSpPr/>
+          <p:nvPr/>
+        </p:nvSpPr>
+        <p:spPr>
+          <a:xfrm>
+            <a:off x="10448549" y="5167312"/>
+            <a:ext cx="6071003" cy="23812"/>
+          </a:xfrm>
+          <a:prstGeom prst="line">
+            <a:avLst/>
+          </a:prstGeom>
+          <a:ln cap="flat" w="47625">
+            <a:solidFill>
+              <a:srgbClr val="62DBDF"/>
+            </a:solidFill>
+            <a:prstDash val="solid"/>
+            <a:headEnd type="none" len="sm" w="sm"/>
+            <a:tailEnd type="none" len="sm" w="sm"/>
+          </a:ln>
+        </p:spPr>
+      </p:sp>
+      <p:sp>
+        <p:nvSpPr>
+          <p:cNvPr name="AutoShape 6" id="6"/>
+          <p:cNvSpPr/>
+          <p:nvPr/>
+        </p:nvSpPr>
+        <p:spPr>
+          <a:xfrm rot="0">
+            <a:off x="7165154" y="1028700"/>
+            <a:ext cx="10094146" cy="0"/>
+          </a:xfrm>
+          <a:prstGeom prst="line">
+            <a:avLst/>
+          </a:prstGeom>
+          <a:ln cap="flat" w="47625">
+            <a:solidFill>
+              <a:srgbClr val="62DBDF"/>
+            </a:solidFill>
+            <a:prstDash val="solid"/>
+            <a:headEnd type="none" len="sm" w="sm"/>
+            <a:tailEnd type="none" len="sm" w="sm"/>
+          </a:ln>
+        </p:spPr>
       </p:sp>
     </p:spTree>
   </p:cSld>
@@ -8013,6 +9373,621 @@
 </p:sld>
 </file>
 
+<file path=ppt/slides/slide20.xml><?xml version="1.0" encoding="utf-8"?>
+<p:sld xmlns:p="http://schemas.openxmlformats.org/presentationml/2006/main" xmlns:a="http://schemas.openxmlformats.org/drawingml/2006/main" xmlns:r="http://schemas.openxmlformats.org/officeDocument/2006/relationships">
+  <p:cSld>
+    <p:bg>
+      <p:bgPr>
+        <a:solidFill>
+          <a:srgbClr val="F6F6F6"/>
+        </a:solidFill>
+      </p:bgPr>
+    </p:bg>
+    <p:spTree>
+      <p:nvGrpSpPr>
+        <p:cNvPr id="1" name=""/>
+        <p:cNvGrpSpPr/>
+        <p:nvPr/>
+      </p:nvGrpSpPr>
+      <p:grpSpPr>
+        <a:xfrm>
+          <a:off x="0" y="0"/>
+          <a:ext cx="0" cy="0"/>
+          <a:chOff x="0" y="0"/>
+          <a:chExt cx="0" cy="0"/>
+        </a:xfrm>
+      </p:grpSpPr>
+      <p:grpSp>
+        <p:nvGrpSpPr>
+          <p:cNvPr name="Group 2" id="2"/>
+          <p:cNvGrpSpPr/>
+          <p:nvPr/>
+        </p:nvGrpSpPr>
+        <p:grpSpPr>
+          <a:xfrm rot="0">
+            <a:off x="9686456" y="9872237"/>
+            <a:ext cx="9553175" cy="1241847"/>
+            <a:chOff x="0" y="0"/>
+            <a:chExt cx="3485024" cy="453029"/>
+          </a:xfrm>
+        </p:grpSpPr>
+        <p:sp>
+          <p:nvSpPr>
+            <p:cNvPr name="Freeform 3" id="3"/>
+            <p:cNvSpPr/>
+            <p:nvPr/>
+          </p:nvSpPr>
+          <p:spPr>
+            <a:xfrm flipH="false" flipV="false" rot="0">
+              <a:off x="0" y="0"/>
+              <a:ext cx="3485024" cy="453029"/>
+            </a:xfrm>
+            <a:custGeom>
+              <a:avLst/>
+              <a:gdLst/>
+              <a:ahLst/>
+              <a:cxnLst/>
+              <a:rect r="r" b="b" t="t" l="l"/>
+              <a:pathLst>
+                <a:path h="453029" w="3485024">
+                  <a:moveTo>
+                    <a:pt x="0" y="0"/>
+                  </a:moveTo>
+                  <a:lnTo>
+                    <a:pt x="3485024" y="0"/>
+                  </a:lnTo>
+                  <a:lnTo>
+                    <a:pt x="3485024" y="453029"/>
+                  </a:lnTo>
+                  <a:lnTo>
+                    <a:pt x="0" y="453029"/>
+                  </a:lnTo>
+                  <a:close/>
+                </a:path>
+              </a:pathLst>
+            </a:custGeom>
+            <a:solidFill>
+              <a:srgbClr val="62DBDF"/>
+            </a:solidFill>
+          </p:spPr>
+        </p:sp>
+      </p:grpSp>
+      <p:grpSp>
+        <p:nvGrpSpPr>
+          <p:cNvPr name="Group 4" id="4"/>
+          <p:cNvGrpSpPr/>
+          <p:nvPr/>
+        </p:nvGrpSpPr>
+        <p:grpSpPr>
+          <a:xfrm rot="0">
+            <a:off x="-333948" y="-839272"/>
+            <a:ext cx="8586759" cy="1241847"/>
+            <a:chOff x="0" y="0"/>
+            <a:chExt cx="3132473" cy="453029"/>
+          </a:xfrm>
+        </p:grpSpPr>
+        <p:sp>
+          <p:nvSpPr>
+            <p:cNvPr name="Freeform 5" id="5"/>
+            <p:cNvSpPr/>
+            <p:nvPr/>
+          </p:nvSpPr>
+          <p:spPr>
+            <a:xfrm flipH="false" flipV="false" rot="0">
+              <a:off x="0" y="0"/>
+              <a:ext cx="3132473" cy="453029"/>
+            </a:xfrm>
+            <a:custGeom>
+              <a:avLst/>
+              <a:gdLst/>
+              <a:ahLst/>
+              <a:cxnLst/>
+              <a:rect r="r" b="b" t="t" l="l"/>
+              <a:pathLst>
+                <a:path h="453029" w="3132473">
+                  <a:moveTo>
+                    <a:pt x="0" y="0"/>
+                  </a:moveTo>
+                  <a:lnTo>
+                    <a:pt x="3132473" y="0"/>
+                  </a:lnTo>
+                  <a:lnTo>
+                    <a:pt x="3132473" y="453029"/>
+                  </a:lnTo>
+                  <a:lnTo>
+                    <a:pt x="0" y="453029"/>
+                  </a:lnTo>
+                  <a:close/>
+                </a:path>
+              </a:pathLst>
+            </a:custGeom>
+            <a:solidFill>
+              <a:srgbClr val="62DBDF"/>
+            </a:solidFill>
+          </p:spPr>
+        </p:sp>
+      </p:grpSp>
+      <p:sp>
+        <p:nvSpPr>
+          <p:cNvPr name="Freeform 6" id="6"/>
+          <p:cNvSpPr/>
+          <p:nvPr/>
+        </p:nvSpPr>
+        <p:spPr>
+          <a:xfrm flipH="false" flipV="false" rot="-3176038">
+            <a:off x="15776964" y="597462"/>
+            <a:ext cx="1562405" cy="1998424"/>
+          </a:xfrm>
+          <a:custGeom>
+            <a:avLst/>
+            <a:gdLst/>
+            <a:ahLst/>
+            <a:cxnLst/>
+            <a:rect r="r" b="b" t="t" l="l"/>
+            <a:pathLst>
+              <a:path h="1998424" w="1562405">
+                <a:moveTo>
+                  <a:pt x="0" y="0"/>
+                </a:moveTo>
+                <a:lnTo>
+                  <a:pt x="1562404" y="0"/>
+                </a:lnTo>
+                <a:lnTo>
+                  <a:pt x="1562404" y="1998424"/>
+                </a:lnTo>
+                <a:lnTo>
+                  <a:pt x="0" y="1998424"/>
+                </a:lnTo>
+                <a:lnTo>
+                  <a:pt x="0" y="0"/>
+                </a:lnTo>
+                <a:close/>
+              </a:path>
+            </a:pathLst>
+          </a:custGeom>
+          <a:blipFill>
+            <a:blip r:embed="rId2">
+              <a:extLst>
+                <a:ext uri="{96DAC541-7B7A-43D3-8B79-37D633B846F1}">
+                  <asvg:svgBlip xmlns:asvg="http://schemas.microsoft.com/office/drawing/2016/SVG/main" r:embed="rId3"/>
+                </a:ext>
+              </a:extLst>
+            </a:blip>
+            <a:stretch>
+              <a:fillRect l="0" t="0" r="0" b="0"/>
+            </a:stretch>
+          </a:blipFill>
+        </p:spPr>
+      </p:sp>
+      <p:sp>
+        <p:nvSpPr>
+          <p:cNvPr name="Freeform 7" id="7"/>
+          <p:cNvSpPr/>
+          <p:nvPr/>
+        </p:nvSpPr>
+        <p:spPr>
+          <a:xfrm flipH="false" flipV="false" rot="0">
+            <a:off x="1444692" y="1444692"/>
+            <a:ext cx="2514739" cy="2755193"/>
+          </a:xfrm>
+          <a:custGeom>
+            <a:avLst/>
+            <a:gdLst/>
+            <a:ahLst/>
+            <a:cxnLst/>
+            <a:rect r="r" b="b" t="t" l="l"/>
+            <a:pathLst>
+              <a:path h="2755193" w="2514739">
+                <a:moveTo>
+                  <a:pt x="0" y="0"/>
+                </a:moveTo>
+                <a:lnTo>
+                  <a:pt x="2514739" y="0"/>
+                </a:lnTo>
+                <a:lnTo>
+                  <a:pt x="2514739" y="2755192"/>
+                </a:lnTo>
+                <a:lnTo>
+                  <a:pt x="0" y="2755192"/>
+                </a:lnTo>
+                <a:lnTo>
+                  <a:pt x="0" y="0"/>
+                </a:lnTo>
+                <a:close/>
+              </a:path>
+            </a:pathLst>
+          </a:custGeom>
+          <a:blipFill>
+            <a:blip r:embed="rId4">
+              <a:extLst>
+                <a:ext uri="{96DAC541-7B7A-43D3-8B79-37D633B846F1}">
+                  <asvg:svgBlip xmlns:asvg="http://schemas.microsoft.com/office/drawing/2016/SVG/main" r:embed="rId5"/>
+                </a:ext>
+              </a:extLst>
+            </a:blip>
+            <a:stretch>
+              <a:fillRect l="0" t="0" r="0" b="0"/>
+            </a:stretch>
+          </a:blipFill>
+        </p:spPr>
+      </p:sp>
+      <p:sp>
+        <p:nvSpPr>
+          <p:cNvPr name="Freeform 8" id="8"/>
+          <p:cNvSpPr/>
+          <p:nvPr/>
+        </p:nvSpPr>
+        <p:spPr>
+          <a:xfrm flipH="false" flipV="false" rot="0">
+            <a:off x="16286092" y="8329082"/>
+            <a:ext cx="1540244" cy="1149407"/>
+          </a:xfrm>
+          <a:custGeom>
+            <a:avLst/>
+            <a:gdLst/>
+            <a:ahLst/>
+            <a:cxnLst/>
+            <a:rect r="r" b="b" t="t" l="l"/>
+            <a:pathLst>
+              <a:path h="1149407" w="1540244">
+                <a:moveTo>
+                  <a:pt x="0" y="0"/>
+                </a:moveTo>
+                <a:lnTo>
+                  <a:pt x="1540245" y="0"/>
+                </a:lnTo>
+                <a:lnTo>
+                  <a:pt x="1540245" y="1149407"/>
+                </a:lnTo>
+                <a:lnTo>
+                  <a:pt x="0" y="1149407"/>
+                </a:lnTo>
+                <a:lnTo>
+                  <a:pt x="0" y="0"/>
+                </a:lnTo>
+                <a:close/>
+              </a:path>
+            </a:pathLst>
+          </a:custGeom>
+          <a:blipFill>
+            <a:blip r:embed="rId6">
+              <a:extLst>
+                <a:ext uri="{96DAC541-7B7A-43D3-8B79-37D633B846F1}">
+                  <asvg:svgBlip xmlns:asvg="http://schemas.microsoft.com/office/drawing/2016/SVG/main" r:embed="rId7"/>
+                </a:ext>
+              </a:extLst>
+            </a:blip>
+            <a:stretch>
+              <a:fillRect l="0" t="0" r="0" b="0"/>
+            </a:stretch>
+          </a:blipFill>
+        </p:spPr>
+      </p:sp>
+      <p:sp>
+        <p:nvSpPr>
+          <p:cNvPr name="Freeform 9" id="9"/>
+          <p:cNvSpPr/>
+          <p:nvPr/>
+        </p:nvSpPr>
+        <p:spPr>
+          <a:xfrm flipH="false" flipV="false" rot="0">
+            <a:off x="713688" y="5238109"/>
+            <a:ext cx="7914323" cy="2433074"/>
+          </a:xfrm>
+          <a:custGeom>
+            <a:avLst/>
+            <a:gdLst/>
+            <a:ahLst/>
+            <a:cxnLst/>
+            <a:rect r="r" b="b" t="t" l="l"/>
+            <a:pathLst>
+              <a:path h="2433074" w="7914323">
+                <a:moveTo>
+                  <a:pt x="0" y="0"/>
+                </a:moveTo>
+                <a:lnTo>
+                  <a:pt x="7914324" y="0"/>
+                </a:lnTo>
+                <a:lnTo>
+                  <a:pt x="7914324" y="2433074"/>
+                </a:lnTo>
+                <a:lnTo>
+                  <a:pt x="0" y="2433074"/>
+                </a:lnTo>
+                <a:lnTo>
+                  <a:pt x="0" y="0"/>
+                </a:lnTo>
+                <a:close/>
+              </a:path>
+            </a:pathLst>
+          </a:custGeom>
+          <a:blipFill>
+            <a:blip r:embed="rId8"/>
+            <a:stretch>
+              <a:fillRect l="0" t="0" r="0" b="0"/>
+            </a:stretch>
+          </a:blipFill>
+        </p:spPr>
+      </p:sp>
+      <p:sp>
+        <p:nvSpPr>
+          <p:cNvPr name="Freeform 10" id="10"/>
+          <p:cNvSpPr/>
+          <p:nvPr/>
+        </p:nvSpPr>
+        <p:spPr>
+          <a:xfrm flipH="false" flipV="false" rot="0">
+            <a:off x="8847944" y="3265636"/>
+            <a:ext cx="8978393" cy="4405547"/>
+          </a:xfrm>
+          <a:custGeom>
+            <a:avLst/>
+            <a:gdLst/>
+            <a:ahLst/>
+            <a:cxnLst/>
+            <a:rect r="r" b="b" t="t" l="l"/>
+            <a:pathLst>
+              <a:path h="4405547" w="8978393">
+                <a:moveTo>
+                  <a:pt x="0" y="0"/>
+                </a:moveTo>
+                <a:lnTo>
+                  <a:pt x="8978393" y="0"/>
+                </a:lnTo>
+                <a:lnTo>
+                  <a:pt x="8978393" y="4405547"/>
+                </a:lnTo>
+                <a:lnTo>
+                  <a:pt x="0" y="4405547"/>
+                </a:lnTo>
+                <a:lnTo>
+                  <a:pt x="0" y="0"/>
+                </a:lnTo>
+                <a:close/>
+              </a:path>
+            </a:pathLst>
+          </a:custGeom>
+          <a:blipFill>
+            <a:blip r:embed="rId9"/>
+            <a:stretch>
+              <a:fillRect l="0" t="0" r="0" b="0"/>
+            </a:stretch>
+          </a:blipFill>
+        </p:spPr>
+      </p:sp>
+      <p:sp>
+        <p:nvSpPr>
+          <p:cNvPr name="TextBox 11" id="11"/>
+          <p:cNvSpPr txBox="true"/>
+          <p:nvPr/>
+        </p:nvSpPr>
+        <p:spPr>
+          <a:xfrm rot="0">
+            <a:off x="4670850" y="644055"/>
+            <a:ext cx="8946300" cy="1668281"/>
+          </a:xfrm>
+          <a:prstGeom prst="rect">
+            <a:avLst/>
+          </a:prstGeom>
+        </p:spPr>
+        <p:txBody>
+          <a:bodyPr anchor="t" rtlCol="false" tIns="0" lIns="0" bIns="0" rIns="0">
+            <a:spAutoFit/>
+          </a:bodyPr>
+          <a:lstStyle/>
+          <a:p>
+            <a:pPr algn="ctr">
+              <a:lnSpc>
+                <a:spcPts val="5311"/>
+              </a:lnSpc>
+            </a:pPr>
+            <a:r>
+              <a:rPr lang="en-US" sz="6639">
+                <a:solidFill>
+                  <a:srgbClr val="2083C4"/>
+                </a:solidFill>
+                <a:latin typeface="Horizon Bold"/>
+              </a:rPr>
+              <a:t>RANDOM</a:t>
+            </a:r>
+          </a:p>
+          <a:p>
+            <a:pPr algn="ctr">
+              <a:lnSpc>
+                <a:spcPts val="7900"/>
+              </a:lnSpc>
+            </a:pPr>
+            <a:r>
+              <a:rPr lang="en-US" sz="6639">
+                <a:solidFill>
+                  <a:srgbClr val="2083C4"/>
+                </a:solidFill>
+                <a:latin typeface="Horizon Bold"/>
+              </a:rPr>
+              <a:t>FOREST</a:t>
+            </a:r>
+          </a:p>
+        </p:txBody>
+      </p:sp>
+    </p:spTree>
+  </p:cSld>
+  <p:clrMapOvr>
+    <a:masterClrMapping/>
+  </p:clrMapOvr>
+</p:sld>
+</file>
+
+<file path=ppt/slides/slide21.xml><?xml version="1.0" encoding="utf-8"?>
+<p:sld xmlns:p="http://schemas.openxmlformats.org/presentationml/2006/main" xmlns:a="http://schemas.openxmlformats.org/drawingml/2006/main" xmlns:r="http://schemas.openxmlformats.org/officeDocument/2006/relationships">
+  <p:cSld>
+    <p:bg>
+      <p:bgPr>
+        <a:solidFill>
+          <a:srgbClr val="F6F6F6"/>
+        </a:solidFill>
+      </p:bgPr>
+    </p:bg>
+    <p:spTree>
+      <p:nvGrpSpPr>
+        <p:cNvPr id="1" name=""/>
+        <p:cNvGrpSpPr/>
+        <p:nvPr/>
+      </p:nvGrpSpPr>
+      <p:grpSpPr>
+        <a:xfrm>
+          <a:off x="0" y="0"/>
+          <a:ext cx="0" cy="0"/>
+          <a:chOff x="0" y="0"/>
+          <a:chExt cx="0" cy="0"/>
+        </a:xfrm>
+      </p:grpSpPr>
+      <p:grpSp>
+        <p:nvGrpSpPr>
+          <p:cNvPr name="Group 2" id="2"/>
+          <p:cNvGrpSpPr/>
+          <p:nvPr/>
+        </p:nvGrpSpPr>
+        <p:grpSpPr>
+          <a:xfrm rot="0">
+            <a:off x="12254865" y="-280035"/>
+            <a:ext cx="6960870" cy="10999470"/>
+            <a:chOff x="0" y="0"/>
+            <a:chExt cx="2539344" cy="4012636"/>
+          </a:xfrm>
+        </p:grpSpPr>
+        <p:sp>
+          <p:nvSpPr>
+            <p:cNvPr name="Freeform 3" id="3"/>
+            <p:cNvSpPr/>
+            <p:nvPr/>
+          </p:nvSpPr>
+          <p:spPr>
+            <a:xfrm flipH="false" flipV="false" rot="0">
+              <a:off x="0" y="0"/>
+              <a:ext cx="2539344" cy="4012636"/>
+            </a:xfrm>
+            <a:custGeom>
+              <a:avLst/>
+              <a:gdLst/>
+              <a:ahLst/>
+              <a:cxnLst/>
+              <a:rect r="r" b="b" t="t" l="l"/>
+              <a:pathLst>
+                <a:path h="4012636" w="2539344">
+                  <a:moveTo>
+                    <a:pt x="0" y="0"/>
+                  </a:moveTo>
+                  <a:lnTo>
+                    <a:pt x="2539344" y="0"/>
+                  </a:lnTo>
+                  <a:lnTo>
+                    <a:pt x="2539344" y="4012636"/>
+                  </a:lnTo>
+                  <a:lnTo>
+                    <a:pt x="0" y="4012636"/>
+                  </a:lnTo>
+                  <a:close/>
+                </a:path>
+              </a:pathLst>
+            </a:custGeom>
+            <a:solidFill>
+              <a:srgbClr val="62DBDF"/>
+            </a:solidFill>
+          </p:spPr>
+        </p:sp>
+      </p:grpSp>
+      <p:sp>
+        <p:nvSpPr>
+          <p:cNvPr name="Freeform 4" id="4"/>
+          <p:cNvSpPr/>
+          <p:nvPr/>
+        </p:nvSpPr>
+        <p:spPr>
+          <a:xfrm flipH="false" flipV="false" rot="0">
+            <a:off x="13265229" y="2754653"/>
+            <a:ext cx="4244163" cy="4244163"/>
+          </a:xfrm>
+          <a:custGeom>
+            <a:avLst/>
+            <a:gdLst/>
+            <a:ahLst/>
+            <a:cxnLst/>
+            <a:rect r="r" b="b" t="t" l="l"/>
+            <a:pathLst>
+              <a:path h="4244163" w="4244163">
+                <a:moveTo>
+                  <a:pt x="0" y="0"/>
+                </a:moveTo>
+                <a:lnTo>
+                  <a:pt x="4244163" y="0"/>
+                </a:lnTo>
+                <a:lnTo>
+                  <a:pt x="4244163" y="4244163"/>
+                </a:lnTo>
+                <a:lnTo>
+                  <a:pt x="0" y="4244163"/>
+                </a:lnTo>
+                <a:lnTo>
+                  <a:pt x="0" y="0"/>
+                </a:lnTo>
+                <a:close/>
+              </a:path>
+            </a:pathLst>
+          </a:custGeom>
+          <a:blipFill>
+            <a:blip r:embed="rId2"/>
+            <a:stretch>
+              <a:fillRect l="0" t="0" r="0" b="0"/>
+            </a:stretch>
+          </a:blipFill>
+        </p:spPr>
+      </p:sp>
+      <p:sp>
+        <p:nvSpPr>
+          <p:cNvPr name="TextBox 5" id="5"/>
+          <p:cNvSpPr txBox="true"/>
+          <p:nvPr/>
+        </p:nvSpPr>
+        <p:spPr>
+          <a:xfrm rot="0">
+            <a:off x="1726326" y="2548103"/>
+            <a:ext cx="7653498" cy="3038475"/>
+          </a:xfrm>
+          <a:prstGeom prst="rect">
+            <a:avLst/>
+          </a:prstGeom>
+        </p:spPr>
+        <p:txBody>
+          <a:bodyPr anchor="t" rtlCol="false" tIns="0" lIns="0" bIns="0" rIns="0">
+            <a:spAutoFit/>
+          </a:bodyPr>
+          <a:lstStyle/>
+          <a:p>
+            <a:pPr algn="ctr">
+              <a:lnSpc>
+                <a:spcPts val="11999"/>
+              </a:lnSpc>
+            </a:pPr>
+            <a:r>
+              <a:rPr lang="en-US" sz="9999" spc="999">
+                <a:solidFill>
+                  <a:srgbClr val="1D1127"/>
+                </a:solidFill>
+                <a:latin typeface="Raleway Heavy"/>
+              </a:rPr>
+              <a:t>¡MUCHAS GRACIAS!</a:t>
+            </a:r>
+          </a:p>
+        </p:txBody>
+      </p:sp>
+    </p:spTree>
+  </p:cSld>
+  <p:clrMapOvr>
+    <a:masterClrMapping/>
+  </p:clrMapOvr>
+</p:sld>
+</file>
+
 <file path=ppt/slides/slide3.xml><?xml version="1.0" encoding="utf-8"?>
 <p:sld xmlns:p="http://schemas.openxmlformats.org/presentationml/2006/main" xmlns:a="http://schemas.openxmlformats.org/drawingml/2006/main" xmlns:r="http://schemas.openxmlformats.org/officeDocument/2006/relationships">
   <p:cSld>
@@ -9731,694 +11706,6 @@
 </file>
 
 <file path=ppt/slides/slide7.xml><?xml version="1.0" encoding="utf-8"?>
-<p:sld xmlns:p="http://schemas.openxmlformats.org/presentationml/2006/main" xmlns:a="http://schemas.openxmlformats.org/drawingml/2006/main" xmlns:r="http://schemas.openxmlformats.org/officeDocument/2006/relationships">
-  <p:cSld>
-    <p:bg>
-      <p:bgPr>
-        <a:solidFill>
-          <a:srgbClr val="F6F6F6"/>
-        </a:solidFill>
-      </p:bgPr>
-    </p:bg>
-    <p:spTree>
-      <p:nvGrpSpPr>
-        <p:cNvPr id="1" name=""/>
-        <p:cNvGrpSpPr/>
-        <p:nvPr/>
-      </p:nvGrpSpPr>
-      <p:grpSpPr>
-        <a:xfrm>
-          <a:off x="0" y="0"/>
-          <a:ext cx="0" cy="0"/>
-          <a:chOff x="0" y="0"/>
-          <a:chExt cx="0" cy="0"/>
-        </a:xfrm>
-      </p:grpSpPr>
-      <p:grpSp>
-        <p:nvGrpSpPr>
-          <p:cNvPr name="Group 2" id="2"/>
-          <p:cNvGrpSpPr/>
-          <p:nvPr/>
-        </p:nvGrpSpPr>
-        <p:grpSpPr>
-          <a:xfrm rot="0">
-            <a:off x="9686456" y="9872237"/>
-            <a:ext cx="9553175" cy="1241847"/>
-            <a:chOff x="0" y="0"/>
-            <a:chExt cx="3485024" cy="453029"/>
-          </a:xfrm>
-        </p:grpSpPr>
-        <p:sp>
-          <p:nvSpPr>
-            <p:cNvPr name="Freeform 3" id="3"/>
-            <p:cNvSpPr/>
-            <p:nvPr/>
-          </p:nvSpPr>
-          <p:spPr>
-            <a:xfrm flipH="false" flipV="false" rot="0">
-              <a:off x="0" y="0"/>
-              <a:ext cx="3485024" cy="453029"/>
-            </a:xfrm>
-            <a:custGeom>
-              <a:avLst/>
-              <a:gdLst/>
-              <a:ahLst/>
-              <a:cxnLst/>
-              <a:rect r="r" b="b" t="t" l="l"/>
-              <a:pathLst>
-                <a:path h="453029" w="3485024">
-                  <a:moveTo>
-                    <a:pt x="0" y="0"/>
-                  </a:moveTo>
-                  <a:lnTo>
-                    <a:pt x="3485024" y="0"/>
-                  </a:lnTo>
-                  <a:lnTo>
-                    <a:pt x="3485024" y="453029"/>
-                  </a:lnTo>
-                  <a:lnTo>
-                    <a:pt x="0" y="453029"/>
-                  </a:lnTo>
-                  <a:close/>
-                </a:path>
-              </a:pathLst>
-            </a:custGeom>
-            <a:solidFill>
-              <a:srgbClr val="62DBDF"/>
-            </a:solidFill>
-          </p:spPr>
-        </p:sp>
-      </p:grpSp>
-      <p:grpSp>
-        <p:nvGrpSpPr>
-          <p:cNvPr name="Group 4" id="4"/>
-          <p:cNvGrpSpPr/>
-          <p:nvPr/>
-        </p:nvGrpSpPr>
-        <p:grpSpPr>
-          <a:xfrm rot="0">
-            <a:off x="-333948" y="-839272"/>
-            <a:ext cx="8586759" cy="1241847"/>
-            <a:chOff x="0" y="0"/>
-            <a:chExt cx="3132473" cy="453029"/>
-          </a:xfrm>
-        </p:grpSpPr>
-        <p:sp>
-          <p:nvSpPr>
-            <p:cNvPr name="Freeform 5" id="5"/>
-            <p:cNvSpPr/>
-            <p:nvPr/>
-          </p:nvSpPr>
-          <p:spPr>
-            <a:xfrm flipH="false" flipV="false" rot="0">
-              <a:off x="0" y="0"/>
-              <a:ext cx="3132473" cy="453029"/>
-            </a:xfrm>
-            <a:custGeom>
-              <a:avLst/>
-              <a:gdLst/>
-              <a:ahLst/>
-              <a:cxnLst/>
-              <a:rect r="r" b="b" t="t" l="l"/>
-              <a:pathLst>
-                <a:path h="453029" w="3132473">
-                  <a:moveTo>
-                    <a:pt x="0" y="0"/>
-                  </a:moveTo>
-                  <a:lnTo>
-                    <a:pt x="3132473" y="0"/>
-                  </a:lnTo>
-                  <a:lnTo>
-                    <a:pt x="3132473" y="453029"/>
-                  </a:lnTo>
-                  <a:lnTo>
-                    <a:pt x="0" y="453029"/>
-                  </a:lnTo>
-                  <a:close/>
-                </a:path>
-              </a:pathLst>
-            </a:custGeom>
-            <a:solidFill>
-              <a:srgbClr val="62DBDF"/>
-            </a:solidFill>
-          </p:spPr>
-        </p:sp>
-      </p:grpSp>
-      <p:sp>
-        <p:nvSpPr>
-          <p:cNvPr name="Freeform 6" id="6"/>
-          <p:cNvSpPr/>
-          <p:nvPr/>
-        </p:nvSpPr>
-        <p:spPr>
-          <a:xfrm flipH="false" flipV="false" rot="-3176038">
-            <a:off x="15776964" y="597462"/>
-            <a:ext cx="1562405" cy="1998424"/>
-          </a:xfrm>
-          <a:custGeom>
-            <a:avLst/>
-            <a:gdLst/>
-            <a:ahLst/>
-            <a:cxnLst/>
-            <a:rect r="r" b="b" t="t" l="l"/>
-            <a:pathLst>
-              <a:path h="1998424" w="1562405">
-                <a:moveTo>
-                  <a:pt x="0" y="0"/>
-                </a:moveTo>
-                <a:lnTo>
-                  <a:pt x="1562404" y="0"/>
-                </a:lnTo>
-                <a:lnTo>
-                  <a:pt x="1562404" y="1998424"/>
-                </a:lnTo>
-                <a:lnTo>
-                  <a:pt x="0" y="1998424"/>
-                </a:lnTo>
-                <a:lnTo>
-                  <a:pt x="0" y="0"/>
-                </a:lnTo>
-                <a:close/>
-              </a:path>
-            </a:pathLst>
-          </a:custGeom>
-          <a:blipFill>
-            <a:blip r:embed="rId2">
-              <a:extLst>
-                <a:ext uri="{96DAC541-7B7A-43D3-8B79-37D633B846F1}">
-                  <asvg:svgBlip xmlns:asvg="http://schemas.microsoft.com/office/drawing/2016/SVG/main" r:embed="rId3"/>
-                </a:ext>
-              </a:extLst>
-            </a:blip>
-            <a:stretch>
-              <a:fillRect l="0" t="0" r="0" b="0"/>
-            </a:stretch>
-          </a:blipFill>
-        </p:spPr>
-      </p:sp>
-      <p:sp>
-        <p:nvSpPr>
-          <p:cNvPr name="Freeform 7" id="7"/>
-          <p:cNvSpPr/>
-          <p:nvPr/>
-        </p:nvSpPr>
-        <p:spPr>
-          <a:xfrm flipH="false" flipV="false" rot="0">
-            <a:off x="1444692" y="1444692"/>
-            <a:ext cx="2514739" cy="2755193"/>
-          </a:xfrm>
-          <a:custGeom>
-            <a:avLst/>
-            <a:gdLst/>
-            <a:ahLst/>
-            <a:cxnLst/>
-            <a:rect r="r" b="b" t="t" l="l"/>
-            <a:pathLst>
-              <a:path h="2755193" w="2514739">
-                <a:moveTo>
-                  <a:pt x="0" y="0"/>
-                </a:moveTo>
-                <a:lnTo>
-                  <a:pt x="2514739" y="0"/>
-                </a:lnTo>
-                <a:lnTo>
-                  <a:pt x="2514739" y="2755192"/>
-                </a:lnTo>
-                <a:lnTo>
-                  <a:pt x="0" y="2755192"/>
-                </a:lnTo>
-                <a:lnTo>
-                  <a:pt x="0" y="0"/>
-                </a:lnTo>
-                <a:close/>
-              </a:path>
-            </a:pathLst>
-          </a:custGeom>
-          <a:blipFill>
-            <a:blip r:embed="rId4">
-              <a:extLst>
-                <a:ext uri="{96DAC541-7B7A-43D3-8B79-37D633B846F1}">
-                  <asvg:svgBlip xmlns:asvg="http://schemas.microsoft.com/office/drawing/2016/SVG/main" r:embed="rId5"/>
-                </a:ext>
-              </a:extLst>
-            </a:blip>
-            <a:stretch>
-              <a:fillRect l="0" t="0" r="0" b="0"/>
-            </a:stretch>
-          </a:blipFill>
-        </p:spPr>
-      </p:sp>
-      <p:sp>
-        <p:nvSpPr>
-          <p:cNvPr name="Freeform 8" id="8"/>
-          <p:cNvSpPr/>
-          <p:nvPr/>
-        </p:nvSpPr>
-        <p:spPr>
-          <a:xfrm flipH="false" flipV="false" rot="0">
-            <a:off x="16286092" y="8329082"/>
-            <a:ext cx="1540244" cy="1149407"/>
-          </a:xfrm>
-          <a:custGeom>
-            <a:avLst/>
-            <a:gdLst/>
-            <a:ahLst/>
-            <a:cxnLst/>
-            <a:rect r="r" b="b" t="t" l="l"/>
-            <a:pathLst>
-              <a:path h="1149407" w="1540244">
-                <a:moveTo>
-                  <a:pt x="0" y="0"/>
-                </a:moveTo>
-                <a:lnTo>
-                  <a:pt x="1540245" y="0"/>
-                </a:lnTo>
-                <a:lnTo>
-                  <a:pt x="1540245" y="1149407"/>
-                </a:lnTo>
-                <a:lnTo>
-                  <a:pt x="0" y="1149407"/>
-                </a:lnTo>
-                <a:lnTo>
-                  <a:pt x="0" y="0"/>
-                </a:lnTo>
-                <a:close/>
-              </a:path>
-            </a:pathLst>
-          </a:custGeom>
-          <a:blipFill>
-            <a:blip r:embed="rId6">
-              <a:extLst>
-                <a:ext uri="{96DAC541-7B7A-43D3-8B79-37D633B846F1}">
-                  <asvg:svgBlip xmlns:asvg="http://schemas.microsoft.com/office/drawing/2016/SVG/main" r:embed="rId7"/>
-                </a:ext>
-              </a:extLst>
-            </a:blip>
-            <a:stretch>
-              <a:fillRect l="0" t="0" r="0" b="0"/>
-            </a:stretch>
-          </a:blipFill>
-        </p:spPr>
-      </p:sp>
-      <p:sp>
-        <p:nvSpPr>
-          <p:cNvPr name="Freeform 9" id="9"/>
-          <p:cNvSpPr/>
-          <p:nvPr/>
-        </p:nvSpPr>
-        <p:spPr>
-          <a:xfrm flipH="false" flipV="false" rot="0">
-            <a:off x="4772252" y="2319822"/>
-            <a:ext cx="10193594" cy="6583964"/>
-          </a:xfrm>
-          <a:custGeom>
-            <a:avLst/>
-            <a:gdLst/>
-            <a:ahLst/>
-            <a:cxnLst/>
-            <a:rect r="r" b="b" t="t" l="l"/>
-            <a:pathLst>
-              <a:path h="6583964" w="10193594">
-                <a:moveTo>
-                  <a:pt x="0" y="0"/>
-                </a:moveTo>
-                <a:lnTo>
-                  <a:pt x="10193594" y="0"/>
-                </a:lnTo>
-                <a:lnTo>
-                  <a:pt x="10193594" y="6583964"/>
-                </a:lnTo>
-                <a:lnTo>
-                  <a:pt x="0" y="6583964"/>
-                </a:lnTo>
-                <a:lnTo>
-                  <a:pt x="0" y="0"/>
-                </a:lnTo>
-                <a:close/>
-              </a:path>
-            </a:pathLst>
-          </a:custGeom>
-          <a:blipFill>
-            <a:blip r:embed="rId8"/>
-            <a:stretch>
-              <a:fillRect l="0" t="0" r="0" b="0"/>
-            </a:stretch>
-          </a:blipFill>
-        </p:spPr>
-      </p:sp>
-    </p:spTree>
-  </p:cSld>
-  <p:clrMapOvr>
-    <a:masterClrMapping/>
-  </p:clrMapOvr>
-</p:sld>
-</file>
-
-<file path=ppt/slides/slide8.xml><?xml version="1.0" encoding="utf-8"?>
-<p:sld xmlns:p="http://schemas.openxmlformats.org/presentationml/2006/main" xmlns:a="http://schemas.openxmlformats.org/drawingml/2006/main" xmlns:r="http://schemas.openxmlformats.org/officeDocument/2006/relationships">
-  <p:cSld>
-    <p:bg>
-      <p:bgPr>
-        <a:solidFill>
-          <a:srgbClr val="F6F6F6"/>
-        </a:solidFill>
-      </p:bgPr>
-    </p:bg>
-    <p:spTree>
-      <p:nvGrpSpPr>
-        <p:cNvPr id="1" name=""/>
-        <p:cNvGrpSpPr/>
-        <p:nvPr/>
-      </p:nvGrpSpPr>
-      <p:grpSpPr>
-        <a:xfrm>
-          <a:off x="0" y="0"/>
-          <a:ext cx="0" cy="0"/>
-          <a:chOff x="0" y="0"/>
-          <a:chExt cx="0" cy="0"/>
-        </a:xfrm>
-      </p:grpSpPr>
-      <p:grpSp>
-        <p:nvGrpSpPr>
-          <p:cNvPr name="Group 2" id="2"/>
-          <p:cNvGrpSpPr/>
-          <p:nvPr/>
-        </p:nvGrpSpPr>
-        <p:grpSpPr>
-          <a:xfrm rot="0">
-            <a:off x="9686456" y="9872237"/>
-            <a:ext cx="9553175" cy="1241847"/>
-            <a:chOff x="0" y="0"/>
-            <a:chExt cx="3485024" cy="453029"/>
-          </a:xfrm>
-        </p:grpSpPr>
-        <p:sp>
-          <p:nvSpPr>
-            <p:cNvPr name="Freeform 3" id="3"/>
-            <p:cNvSpPr/>
-            <p:nvPr/>
-          </p:nvSpPr>
-          <p:spPr>
-            <a:xfrm flipH="false" flipV="false" rot="0">
-              <a:off x="0" y="0"/>
-              <a:ext cx="3485024" cy="453029"/>
-            </a:xfrm>
-            <a:custGeom>
-              <a:avLst/>
-              <a:gdLst/>
-              <a:ahLst/>
-              <a:cxnLst/>
-              <a:rect r="r" b="b" t="t" l="l"/>
-              <a:pathLst>
-                <a:path h="453029" w="3485024">
-                  <a:moveTo>
-                    <a:pt x="0" y="0"/>
-                  </a:moveTo>
-                  <a:lnTo>
-                    <a:pt x="3485024" y="0"/>
-                  </a:lnTo>
-                  <a:lnTo>
-                    <a:pt x="3485024" y="453029"/>
-                  </a:lnTo>
-                  <a:lnTo>
-                    <a:pt x="0" y="453029"/>
-                  </a:lnTo>
-                  <a:close/>
-                </a:path>
-              </a:pathLst>
-            </a:custGeom>
-            <a:solidFill>
-              <a:srgbClr val="62DBDF"/>
-            </a:solidFill>
-          </p:spPr>
-        </p:sp>
-      </p:grpSp>
-      <p:grpSp>
-        <p:nvGrpSpPr>
-          <p:cNvPr name="Group 4" id="4"/>
-          <p:cNvGrpSpPr/>
-          <p:nvPr/>
-        </p:nvGrpSpPr>
-        <p:grpSpPr>
-          <a:xfrm rot="0">
-            <a:off x="-333948" y="-839272"/>
-            <a:ext cx="8586759" cy="1241847"/>
-            <a:chOff x="0" y="0"/>
-            <a:chExt cx="3132473" cy="453029"/>
-          </a:xfrm>
-        </p:grpSpPr>
-        <p:sp>
-          <p:nvSpPr>
-            <p:cNvPr name="Freeform 5" id="5"/>
-            <p:cNvSpPr/>
-            <p:nvPr/>
-          </p:nvSpPr>
-          <p:spPr>
-            <a:xfrm flipH="false" flipV="false" rot="0">
-              <a:off x="0" y="0"/>
-              <a:ext cx="3132473" cy="453029"/>
-            </a:xfrm>
-            <a:custGeom>
-              <a:avLst/>
-              <a:gdLst/>
-              <a:ahLst/>
-              <a:cxnLst/>
-              <a:rect r="r" b="b" t="t" l="l"/>
-              <a:pathLst>
-                <a:path h="453029" w="3132473">
-                  <a:moveTo>
-                    <a:pt x="0" y="0"/>
-                  </a:moveTo>
-                  <a:lnTo>
-                    <a:pt x="3132473" y="0"/>
-                  </a:lnTo>
-                  <a:lnTo>
-                    <a:pt x="3132473" y="453029"/>
-                  </a:lnTo>
-                  <a:lnTo>
-                    <a:pt x="0" y="453029"/>
-                  </a:lnTo>
-                  <a:close/>
-                </a:path>
-              </a:pathLst>
-            </a:custGeom>
-            <a:solidFill>
-              <a:srgbClr val="62DBDF"/>
-            </a:solidFill>
-          </p:spPr>
-        </p:sp>
-      </p:grpSp>
-      <p:sp>
-        <p:nvSpPr>
-          <p:cNvPr name="Freeform 6" id="6"/>
-          <p:cNvSpPr/>
-          <p:nvPr/>
-        </p:nvSpPr>
-        <p:spPr>
-          <a:xfrm flipH="false" flipV="false" rot="-3176038">
-            <a:off x="15776964" y="597462"/>
-            <a:ext cx="1562405" cy="1998424"/>
-          </a:xfrm>
-          <a:custGeom>
-            <a:avLst/>
-            <a:gdLst/>
-            <a:ahLst/>
-            <a:cxnLst/>
-            <a:rect r="r" b="b" t="t" l="l"/>
-            <a:pathLst>
-              <a:path h="1998424" w="1562405">
-                <a:moveTo>
-                  <a:pt x="0" y="0"/>
-                </a:moveTo>
-                <a:lnTo>
-                  <a:pt x="1562404" y="0"/>
-                </a:lnTo>
-                <a:lnTo>
-                  <a:pt x="1562404" y="1998424"/>
-                </a:lnTo>
-                <a:lnTo>
-                  <a:pt x="0" y="1998424"/>
-                </a:lnTo>
-                <a:lnTo>
-                  <a:pt x="0" y="0"/>
-                </a:lnTo>
-                <a:close/>
-              </a:path>
-            </a:pathLst>
-          </a:custGeom>
-          <a:blipFill>
-            <a:blip r:embed="rId2">
-              <a:extLst>
-                <a:ext uri="{96DAC541-7B7A-43D3-8B79-37D633B846F1}">
-                  <asvg:svgBlip xmlns:asvg="http://schemas.microsoft.com/office/drawing/2016/SVG/main" r:embed="rId3"/>
-                </a:ext>
-              </a:extLst>
-            </a:blip>
-            <a:stretch>
-              <a:fillRect l="0" t="0" r="0" b="0"/>
-            </a:stretch>
-          </a:blipFill>
-        </p:spPr>
-      </p:sp>
-      <p:sp>
-        <p:nvSpPr>
-          <p:cNvPr name="Freeform 7" id="7"/>
-          <p:cNvSpPr/>
-          <p:nvPr/>
-        </p:nvSpPr>
-        <p:spPr>
-          <a:xfrm flipH="false" flipV="false" rot="0">
-            <a:off x="1444692" y="1444692"/>
-            <a:ext cx="2514739" cy="2755193"/>
-          </a:xfrm>
-          <a:custGeom>
-            <a:avLst/>
-            <a:gdLst/>
-            <a:ahLst/>
-            <a:cxnLst/>
-            <a:rect r="r" b="b" t="t" l="l"/>
-            <a:pathLst>
-              <a:path h="2755193" w="2514739">
-                <a:moveTo>
-                  <a:pt x="0" y="0"/>
-                </a:moveTo>
-                <a:lnTo>
-                  <a:pt x="2514739" y="0"/>
-                </a:lnTo>
-                <a:lnTo>
-                  <a:pt x="2514739" y="2755192"/>
-                </a:lnTo>
-                <a:lnTo>
-                  <a:pt x="0" y="2755192"/>
-                </a:lnTo>
-                <a:lnTo>
-                  <a:pt x="0" y="0"/>
-                </a:lnTo>
-                <a:close/>
-              </a:path>
-            </a:pathLst>
-          </a:custGeom>
-          <a:blipFill>
-            <a:blip r:embed="rId4">
-              <a:extLst>
-                <a:ext uri="{96DAC541-7B7A-43D3-8B79-37D633B846F1}">
-                  <asvg:svgBlip xmlns:asvg="http://schemas.microsoft.com/office/drawing/2016/SVG/main" r:embed="rId5"/>
-                </a:ext>
-              </a:extLst>
-            </a:blip>
-            <a:stretch>
-              <a:fillRect l="0" t="0" r="0" b="0"/>
-            </a:stretch>
-          </a:blipFill>
-        </p:spPr>
-      </p:sp>
-      <p:sp>
-        <p:nvSpPr>
-          <p:cNvPr name="Freeform 8" id="8"/>
-          <p:cNvSpPr/>
-          <p:nvPr/>
-        </p:nvSpPr>
-        <p:spPr>
-          <a:xfrm flipH="false" flipV="false" rot="0">
-            <a:off x="16286092" y="8329082"/>
-            <a:ext cx="1540244" cy="1149407"/>
-          </a:xfrm>
-          <a:custGeom>
-            <a:avLst/>
-            <a:gdLst/>
-            <a:ahLst/>
-            <a:cxnLst/>
-            <a:rect r="r" b="b" t="t" l="l"/>
-            <a:pathLst>
-              <a:path h="1149407" w="1540244">
-                <a:moveTo>
-                  <a:pt x="0" y="0"/>
-                </a:moveTo>
-                <a:lnTo>
-                  <a:pt x="1540245" y="0"/>
-                </a:lnTo>
-                <a:lnTo>
-                  <a:pt x="1540245" y="1149407"/>
-                </a:lnTo>
-                <a:lnTo>
-                  <a:pt x="0" y="1149407"/>
-                </a:lnTo>
-                <a:lnTo>
-                  <a:pt x="0" y="0"/>
-                </a:lnTo>
-                <a:close/>
-              </a:path>
-            </a:pathLst>
-          </a:custGeom>
-          <a:blipFill>
-            <a:blip r:embed="rId6">
-              <a:extLst>
-                <a:ext uri="{96DAC541-7B7A-43D3-8B79-37D633B846F1}">
-                  <asvg:svgBlip xmlns:asvg="http://schemas.microsoft.com/office/drawing/2016/SVG/main" r:embed="rId7"/>
-                </a:ext>
-              </a:extLst>
-            </a:blip>
-            <a:stretch>
-              <a:fillRect l="0" t="0" r="0" b="0"/>
-            </a:stretch>
-          </a:blipFill>
-        </p:spPr>
-      </p:sp>
-      <p:sp>
-        <p:nvSpPr>
-          <p:cNvPr name="Freeform 9" id="9"/>
-          <p:cNvSpPr/>
-          <p:nvPr/>
-        </p:nvSpPr>
-        <p:spPr>
-          <a:xfrm flipH="false" flipV="false" rot="0">
-            <a:off x="5880423" y="1933676"/>
-            <a:ext cx="7671162" cy="7544814"/>
-          </a:xfrm>
-          <a:custGeom>
-            <a:avLst/>
-            <a:gdLst/>
-            <a:ahLst/>
-            <a:cxnLst/>
-            <a:rect r="r" b="b" t="t" l="l"/>
-            <a:pathLst>
-              <a:path h="7544814" w="7671162">
-                <a:moveTo>
-                  <a:pt x="0" y="0"/>
-                </a:moveTo>
-                <a:lnTo>
-                  <a:pt x="7671162" y="0"/>
-                </a:lnTo>
-                <a:lnTo>
-                  <a:pt x="7671162" y="7544813"/>
-                </a:lnTo>
-                <a:lnTo>
-                  <a:pt x="0" y="7544813"/>
-                </a:lnTo>
-                <a:lnTo>
-                  <a:pt x="0" y="0"/>
-                </a:lnTo>
-                <a:close/>
-              </a:path>
-            </a:pathLst>
-          </a:custGeom>
-          <a:blipFill>
-            <a:blip r:embed="rId8"/>
-            <a:stretch>
-              <a:fillRect l="0" t="0" r="0" b="0"/>
-            </a:stretch>
-          </a:blipFill>
-        </p:spPr>
-      </p:sp>
-    </p:spTree>
-  </p:cSld>
-  <p:clrMapOvr>
-    <a:masterClrMapping/>
-  </p:clrMapOvr>
-</p:sld>
-</file>
-
-<file path=ppt/slides/slide9.xml><?xml version="1.0" encoding="utf-8"?>
 <p:sld xmlns:p="http://schemas.openxmlformats.org/presentationml/2006/main" xmlns:a="http://schemas.openxmlformats.org/drawingml/2006/main" xmlns:r="http://schemas.openxmlformats.org/officeDocument/2006/relationships">
   <p:cSld>
     <p:bg>
@@ -10888,6 +12175,651 @@
                   <a:latin typeface="Oswald"/>
                 </a:rPr>
                 <a:t>MÁS CORRELADAS</a:t>
+              </a:r>
+            </a:p>
+          </p:txBody>
+        </p:sp>
+      </p:grpSp>
+    </p:spTree>
+  </p:cSld>
+  <p:clrMapOvr>
+    <a:masterClrMapping/>
+  </p:clrMapOvr>
+</p:sld>
+</file>
+
+<file path=ppt/slides/slide8.xml><?xml version="1.0" encoding="utf-8"?>
+<p:sld xmlns:p="http://schemas.openxmlformats.org/presentationml/2006/main" xmlns:a="http://schemas.openxmlformats.org/drawingml/2006/main" xmlns:r="http://schemas.openxmlformats.org/officeDocument/2006/relationships">
+  <p:cSld>
+    <p:bg>
+      <p:bgPr>
+        <a:solidFill>
+          <a:srgbClr val="F6F6F6"/>
+        </a:solidFill>
+      </p:bgPr>
+    </p:bg>
+    <p:spTree>
+      <p:nvGrpSpPr>
+        <p:cNvPr id="1" name=""/>
+        <p:cNvGrpSpPr/>
+        <p:nvPr/>
+      </p:nvGrpSpPr>
+      <p:grpSpPr>
+        <a:xfrm>
+          <a:off x="0" y="0"/>
+          <a:ext cx="0" cy="0"/>
+          <a:chOff x="0" y="0"/>
+          <a:chExt cx="0" cy="0"/>
+        </a:xfrm>
+      </p:grpSpPr>
+      <p:sp>
+        <p:nvSpPr>
+          <p:cNvPr name="Freeform 2" id="2"/>
+          <p:cNvSpPr/>
+          <p:nvPr/>
+        </p:nvSpPr>
+        <p:spPr>
+          <a:xfrm flipH="false" flipV="false" rot="0">
+            <a:off x="1444692" y="2811202"/>
+            <a:ext cx="7575458" cy="5440556"/>
+          </a:xfrm>
+          <a:custGeom>
+            <a:avLst/>
+            <a:gdLst/>
+            <a:ahLst/>
+            <a:cxnLst/>
+            <a:rect r="r" b="b" t="t" l="l"/>
+            <a:pathLst>
+              <a:path h="5440556" w="7575458">
+                <a:moveTo>
+                  <a:pt x="0" y="0"/>
+                </a:moveTo>
+                <a:lnTo>
+                  <a:pt x="7575458" y="0"/>
+                </a:lnTo>
+                <a:lnTo>
+                  <a:pt x="7575458" y="5440556"/>
+                </a:lnTo>
+                <a:lnTo>
+                  <a:pt x="0" y="5440556"/>
+                </a:lnTo>
+                <a:lnTo>
+                  <a:pt x="0" y="0"/>
+                </a:lnTo>
+                <a:close/>
+              </a:path>
+            </a:pathLst>
+          </a:custGeom>
+          <a:blipFill>
+            <a:blip r:embed="rId2">
+              <a:extLst>
+                <a:ext uri="{96DAC541-7B7A-43D3-8B79-37D633B846F1}">
+                  <asvg:svgBlip xmlns:asvg="http://schemas.microsoft.com/office/drawing/2016/SVG/main" r:embed="rId3"/>
+                </a:ext>
+              </a:extLst>
+            </a:blip>
+            <a:stretch>
+              <a:fillRect l="0" t="0" r="0" b="0"/>
+            </a:stretch>
+          </a:blipFill>
+        </p:spPr>
+      </p:sp>
+      <p:sp>
+        <p:nvSpPr>
+          <p:cNvPr name="TextBox 3" id="3"/>
+          <p:cNvSpPr txBox="true"/>
+          <p:nvPr/>
+        </p:nvSpPr>
+        <p:spPr>
+          <a:xfrm rot="0">
+            <a:off x="10448456" y="3647796"/>
+            <a:ext cx="6071003" cy="1838325"/>
+          </a:xfrm>
+          <a:prstGeom prst="rect">
+            <a:avLst/>
+          </a:prstGeom>
+        </p:spPr>
+        <p:txBody>
+          <a:bodyPr anchor="t" rtlCol="false" tIns="0" lIns="0" bIns="0" rIns="0">
+            <a:spAutoFit/>
+          </a:bodyPr>
+          <a:lstStyle/>
+          <a:p>
+            <a:pPr>
+              <a:lnSpc>
+                <a:spcPts val="7200"/>
+              </a:lnSpc>
+            </a:pPr>
+            <a:r>
+              <a:rPr lang="en-US" sz="6000" spc="600">
+                <a:solidFill>
+                  <a:srgbClr val="1D1127"/>
+                </a:solidFill>
+                <a:latin typeface="Raleway Heavy"/>
+              </a:rPr>
+              <a:t>2. FEATURE</a:t>
+            </a:r>
+          </a:p>
+          <a:p>
+            <a:pPr>
+              <a:lnSpc>
+                <a:spcPts val="7200"/>
+              </a:lnSpc>
+            </a:pPr>
+            <a:r>
+              <a:rPr lang="en-US" sz="6000" spc="600">
+                <a:solidFill>
+                  <a:srgbClr val="1D1127"/>
+                </a:solidFill>
+                <a:latin typeface="Raleway Heavy"/>
+              </a:rPr>
+              <a:t>ENGINEERING</a:t>
+            </a:r>
+          </a:p>
+        </p:txBody>
+      </p:sp>
+      <p:sp>
+        <p:nvSpPr>
+          <p:cNvPr name="AutoShape 4" id="4"/>
+          <p:cNvSpPr/>
+          <p:nvPr/>
+        </p:nvSpPr>
+        <p:spPr>
+          <a:xfrm rot="0">
+            <a:off x="1028700" y="9234488"/>
+            <a:ext cx="10094146" cy="0"/>
+          </a:xfrm>
+          <a:prstGeom prst="line">
+            <a:avLst/>
+          </a:prstGeom>
+          <a:ln cap="flat" w="47625">
+            <a:solidFill>
+              <a:srgbClr val="62DBDF"/>
+            </a:solidFill>
+            <a:prstDash val="solid"/>
+            <a:headEnd type="none" len="sm" w="sm"/>
+            <a:tailEnd type="none" len="sm" w="sm"/>
+          </a:ln>
+        </p:spPr>
+      </p:sp>
+      <p:sp>
+        <p:nvSpPr>
+          <p:cNvPr name="AutoShape 5" id="5"/>
+          <p:cNvSpPr/>
+          <p:nvPr/>
+        </p:nvSpPr>
+        <p:spPr>
+          <a:xfrm>
+            <a:off x="10448549" y="5483855"/>
+            <a:ext cx="6071003" cy="23812"/>
+          </a:xfrm>
+          <a:prstGeom prst="line">
+            <a:avLst/>
+          </a:prstGeom>
+          <a:ln cap="flat" w="47625">
+            <a:solidFill>
+              <a:srgbClr val="62DBDF"/>
+            </a:solidFill>
+            <a:prstDash val="solid"/>
+            <a:headEnd type="none" len="sm" w="sm"/>
+            <a:tailEnd type="none" len="sm" w="sm"/>
+          </a:ln>
+        </p:spPr>
+      </p:sp>
+      <p:sp>
+        <p:nvSpPr>
+          <p:cNvPr name="AutoShape 6" id="6"/>
+          <p:cNvSpPr/>
+          <p:nvPr/>
+        </p:nvSpPr>
+        <p:spPr>
+          <a:xfrm rot="0">
+            <a:off x="7165154" y="1028700"/>
+            <a:ext cx="10094146" cy="0"/>
+          </a:xfrm>
+          <a:prstGeom prst="line">
+            <a:avLst/>
+          </a:prstGeom>
+          <a:ln cap="flat" w="47625">
+            <a:solidFill>
+              <a:srgbClr val="62DBDF"/>
+            </a:solidFill>
+            <a:prstDash val="solid"/>
+            <a:headEnd type="none" len="sm" w="sm"/>
+            <a:tailEnd type="none" len="sm" w="sm"/>
+          </a:ln>
+        </p:spPr>
+      </p:sp>
+    </p:spTree>
+  </p:cSld>
+  <p:clrMapOvr>
+    <a:masterClrMapping/>
+  </p:clrMapOvr>
+</p:sld>
+</file>
+
+<file path=ppt/slides/slide9.xml><?xml version="1.0" encoding="utf-8"?>
+<p:sld xmlns:p="http://schemas.openxmlformats.org/presentationml/2006/main" xmlns:a="http://schemas.openxmlformats.org/drawingml/2006/main" xmlns:r="http://schemas.openxmlformats.org/officeDocument/2006/relationships">
+  <p:cSld>
+    <p:bg>
+      <p:bgPr>
+        <a:solidFill>
+          <a:srgbClr val="F6F6F6"/>
+        </a:solidFill>
+      </p:bgPr>
+    </p:bg>
+    <p:spTree>
+      <p:nvGrpSpPr>
+        <p:cNvPr id="1" name=""/>
+        <p:cNvGrpSpPr/>
+        <p:nvPr/>
+      </p:nvGrpSpPr>
+      <p:grpSpPr>
+        <a:xfrm>
+          <a:off x="0" y="0"/>
+          <a:ext cx="0" cy="0"/>
+          <a:chOff x="0" y="0"/>
+          <a:chExt cx="0" cy="0"/>
+        </a:xfrm>
+      </p:grpSpPr>
+      <p:grpSp>
+        <p:nvGrpSpPr>
+          <p:cNvPr name="Group 2" id="2"/>
+          <p:cNvGrpSpPr/>
+          <p:nvPr/>
+        </p:nvGrpSpPr>
+        <p:grpSpPr>
+          <a:xfrm rot="0">
+            <a:off x="9686456" y="9872237"/>
+            <a:ext cx="9553175" cy="1241847"/>
+            <a:chOff x="0" y="0"/>
+            <a:chExt cx="3485024" cy="453029"/>
+          </a:xfrm>
+        </p:grpSpPr>
+        <p:sp>
+          <p:nvSpPr>
+            <p:cNvPr name="Freeform 3" id="3"/>
+            <p:cNvSpPr/>
+            <p:nvPr/>
+          </p:nvSpPr>
+          <p:spPr>
+            <a:xfrm flipH="false" flipV="false" rot="0">
+              <a:off x="0" y="0"/>
+              <a:ext cx="3485024" cy="453029"/>
+            </a:xfrm>
+            <a:custGeom>
+              <a:avLst/>
+              <a:gdLst/>
+              <a:ahLst/>
+              <a:cxnLst/>
+              <a:rect r="r" b="b" t="t" l="l"/>
+              <a:pathLst>
+                <a:path h="453029" w="3485024">
+                  <a:moveTo>
+                    <a:pt x="0" y="0"/>
+                  </a:moveTo>
+                  <a:lnTo>
+                    <a:pt x="3485024" y="0"/>
+                  </a:lnTo>
+                  <a:lnTo>
+                    <a:pt x="3485024" y="453029"/>
+                  </a:lnTo>
+                  <a:lnTo>
+                    <a:pt x="0" y="453029"/>
+                  </a:lnTo>
+                  <a:close/>
+                </a:path>
+              </a:pathLst>
+            </a:custGeom>
+            <a:solidFill>
+              <a:srgbClr val="62DBDF"/>
+            </a:solidFill>
+          </p:spPr>
+        </p:sp>
+      </p:grpSp>
+      <p:grpSp>
+        <p:nvGrpSpPr>
+          <p:cNvPr name="Group 4" id="4"/>
+          <p:cNvGrpSpPr/>
+          <p:nvPr/>
+        </p:nvGrpSpPr>
+        <p:grpSpPr>
+          <a:xfrm rot="0">
+            <a:off x="-333948" y="-839272"/>
+            <a:ext cx="8586759" cy="1241847"/>
+            <a:chOff x="0" y="0"/>
+            <a:chExt cx="3132473" cy="453029"/>
+          </a:xfrm>
+        </p:grpSpPr>
+        <p:sp>
+          <p:nvSpPr>
+            <p:cNvPr name="Freeform 5" id="5"/>
+            <p:cNvSpPr/>
+            <p:nvPr/>
+          </p:nvSpPr>
+          <p:spPr>
+            <a:xfrm flipH="false" flipV="false" rot="0">
+              <a:off x="0" y="0"/>
+              <a:ext cx="3132473" cy="453029"/>
+            </a:xfrm>
+            <a:custGeom>
+              <a:avLst/>
+              <a:gdLst/>
+              <a:ahLst/>
+              <a:cxnLst/>
+              <a:rect r="r" b="b" t="t" l="l"/>
+              <a:pathLst>
+                <a:path h="453029" w="3132473">
+                  <a:moveTo>
+                    <a:pt x="0" y="0"/>
+                  </a:moveTo>
+                  <a:lnTo>
+                    <a:pt x="3132473" y="0"/>
+                  </a:lnTo>
+                  <a:lnTo>
+                    <a:pt x="3132473" y="453029"/>
+                  </a:lnTo>
+                  <a:lnTo>
+                    <a:pt x="0" y="453029"/>
+                  </a:lnTo>
+                  <a:close/>
+                </a:path>
+              </a:pathLst>
+            </a:custGeom>
+            <a:solidFill>
+              <a:srgbClr val="62DBDF"/>
+            </a:solidFill>
+          </p:spPr>
+        </p:sp>
+      </p:grpSp>
+      <p:sp>
+        <p:nvSpPr>
+          <p:cNvPr name="Freeform 6" id="6"/>
+          <p:cNvSpPr/>
+          <p:nvPr/>
+        </p:nvSpPr>
+        <p:spPr>
+          <a:xfrm flipH="false" flipV="false" rot="-3176038">
+            <a:off x="15776964" y="597462"/>
+            <a:ext cx="1562405" cy="1998424"/>
+          </a:xfrm>
+          <a:custGeom>
+            <a:avLst/>
+            <a:gdLst/>
+            <a:ahLst/>
+            <a:cxnLst/>
+            <a:rect r="r" b="b" t="t" l="l"/>
+            <a:pathLst>
+              <a:path h="1998424" w="1562405">
+                <a:moveTo>
+                  <a:pt x="0" y="0"/>
+                </a:moveTo>
+                <a:lnTo>
+                  <a:pt x="1562404" y="0"/>
+                </a:lnTo>
+                <a:lnTo>
+                  <a:pt x="1562404" y="1998424"/>
+                </a:lnTo>
+                <a:lnTo>
+                  <a:pt x="0" y="1998424"/>
+                </a:lnTo>
+                <a:lnTo>
+                  <a:pt x="0" y="0"/>
+                </a:lnTo>
+                <a:close/>
+              </a:path>
+            </a:pathLst>
+          </a:custGeom>
+          <a:blipFill>
+            <a:blip r:embed="rId2">
+              <a:extLst>
+                <a:ext uri="{96DAC541-7B7A-43D3-8B79-37D633B846F1}">
+                  <asvg:svgBlip xmlns:asvg="http://schemas.microsoft.com/office/drawing/2016/SVG/main" r:embed="rId3"/>
+                </a:ext>
+              </a:extLst>
+            </a:blip>
+            <a:stretch>
+              <a:fillRect l="0" t="0" r="0" b="0"/>
+            </a:stretch>
+          </a:blipFill>
+        </p:spPr>
+      </p:sp>
+      <p:sp>
+        <p:nvSpPr>
+          <p:cNvPr name="Freeform 7" id="7"/>
+          <p:cNvSpPr/>
+          <p:nvPr/>
+        </p:nvSpPr>
+        <p:spPr>
+          <a:xfrm flipH="false" flipV="false" rot="0">
+            <a:off x="1444692" y="1444692"/>
+            <a:ext cx="2514739" cy="2755193"/>
+          </a:xfrm>
+          <a:custGeom>
+            <a:avLst/>
+            <a:gdLst/>
+            <a:ahLst/>
+            <a:cxnLst/>
+            <a:rect r="r" b="b" t="t" l="l"/>
+            <a:pathLst>
+              <a:path h="2755193" w="2514739">
+                <a:moveTo>
+                  <a:pt x="0" y="0"/>
+                </a:moveTo>
+                <a:lnTo>
+                  <a:pt x="2514739" y="0"/>
+                </a:lnTo>
+                <a:lnTo>
+                  <a:pt x="2514739" y="2755192"/>
+                </a:lnTo>
+                <a:lnTo>
+                  <a:pt x="0" y="2755192"/>
+                </a:lnTo>
+                <a:lnTo>
+                  <a:pt x="0" y="0"/>
+                </a:lnTo>
+                <a:close/>
+              </a:path>
+            </a:pathLst>
+          </a:custGeom>
+          <a:blipFill>
+            <a:blip r:embed="rId4">
+              <a:extLst>
+                <a:ext uri="{96DAC541-7B7A-43D3-8B79-37D633B846F1}">
+                  <asvg:svgBlip xmlns:asvg="http://schemas.microsoft.com/office/drawing/2016/SVG/main" r:embed="rId5"/>
+                </a:ext>
+              </a:extLst>
+            </a:blip>
+            <a:stretch>
+              <a:fillRect l="0" t="0" r="0" b="0"/>
+            </a:stretch>
+          </a:blipFill>
+        </p:spPr>
+      </p:sp>
+      <p:sp>
+        <p:nvSpPr>
+          <p:cNvPr name="Freeform 8" id="8"/>
+          <p:cNvSpPr/>
+          <p:nvPr/>
+        </p:nvSpPr>
+        <p:spPr>
+          <a:xfrm flipH="false" flipV="false" rot="0">
+            <a:off x="16286092" y="8329082"/>
+            <a:ext cx="1540244" cy="1149407"/>
+          </a:xfrm>
+          <a:custGeom>
+            <a:avLst/>
+            <a:gdLst/>
+            <a:ahLst/>
+            <a:cxnLst/>
+            <a:rect r="r" b="b" t="t" l="l"/>
+            <a:pathLst>
+              <a:path h="1149407" w="1540244">
+                <a:moveTo>
+                  <a:pt x="0" y="0"/>
+                </a:moveTo>
+                <a:lnTo>
+                  <a:pt x="1540245" y="0"/>
+                </a:lnTo>
+                <a:lnTo>
+                  <a:pt x="1540245" y="1149407"/>
+                </a:lnTo>
+                <a:lnTo>
+                  <a:pt x="0" y="1149407"/>
+                </a:lnTo>
+                <a:lnTo>
+                  <a:pt x="0" y="0"/>
+                </a:lnTo>
+                <a:close/>
+              </a:path>
+            </a:pathLst>
+          </a:custGeom>
+          <a:blipFill>
+            <a:blip r:embed="rId6">
+              <a:extLst>
+                <a:ext uri="{96DAC541-7B7A-43D3-8B79-37D633B846F1}">
+                  <asvg:svgBlip xmlns:asvg="http://schemas.microsoft.com/office/drawing/2016/SVG/main" r:embed="rId7"/>
+                </a:ext>
+              </a:extLst>
+            </a:blip>
+            <a:stretch>
+              <a:fillRect l="0" t="0" r="0" b="0"/>
+            </a:stretch>
+          </a:blipFill>
+        </p:spPr>
+      </p:sp>
+      <p:sp>
+        <p:nvSpPr>
+          <p:cNvPr name="Freeform 9" id="9"/>
+          <p:cNvSpPr/>
+          <p:nvPr/>
+        </p:nvSpPr>
+        <p:spPr>
+          <a:xfrm flipH="false" flipV="false" rot="0">
+            <a:off x="4315437" y="3328392"/>
+            <a:ext cx="12740778" cy="4494587"/>
+          </a:xfrm>
+          <a:custGeom>
+            <a:avLst/>
+            <a:gdLst/>
+            <a:ahLst/>
+            <a:cxnLst/>
+            <a:rect r="r" b="b" t="t" l="l"/>
+            <a:pathLst>
+              <a:path h="4494587" w="12740778">
+                <a:moveTo>
+                  <a:pt x="0" y="0"/>
+                </a:moveTo>
+                <a:lnTo>
+                  <a:pt x="12740778" y="0"/>
+                </a:lnTo>
+                <a:lnTo>
+                  <a:pt x="12740778" y="4494586"/>
+                </a:lnTo>
+                <a:lnTo>
+                  <a:pt x="0" y="4494586"/>
+                </a:lnTo>
+                <a:lnTo>
+                  <a:pt x="0" y="0"/>
+                </a:lnTo>
+                <a:close/>
+              </a:path>
+            </a:pathLst>
+          </a:custGeom>
+          <a:blipFill>
+            <a:blip r:embed="rId8"/>
+            <a:stretch>
+              <a:fillRect l="0" t="0" r="0" b="0"/>
+            </a:stretch>
+          </a:blipFill>
+        </p:spPr>
+      </p:sp>
+      <p:grpSp>
+        <p:nvGrpSpPr>
+          <p:cNvPr name="Group 10" id="10"/>
+          <p:cNvGrpSpPr/>
+          <p:nvPr/>
+        </p:nvGrpSpPr>
+        <p:grpSpPr>
+          <a:xfrm rot="0">
+            <a:off x="378013" y="7950329"/>
+            <a:ext cx="4648097" cy="1129969"/>
+            <a:chOff x="0" y="0"/>
+            <a:chExt cx="6197462" cy="1506625"/>
+          </a:xfrm>
+        </p:grpSpPr>
+        <p:sp>
+          <p:nvSpPr>
+            <p:cNvPr name="TextBox 11" id="11"/>
+            <p:cNvSpPr txBox="true"/>
+            <p:nvPr/>
+          </p:nvSpPr>
+          <p:spPr>
+            <a:xfrm rot="0">
+              <a:off x="7492" y="832233"/>
+              <a:ext cx="4512784" cy="674392"/>
+            </a:xfrm>
+            <a:prstGeom prst="rect">
+              <a:avLst/>
+            </a:prstGeom>
+          </p:spPr>
+          <p:txBody>
+            <a:bodyPr anchor="t" rtlCol="false" tIns="0" lIns="0" bIns="0" rIns="0">
+              <a:spAutoFit/>
+            </a:bodyPr>
+            <a:lstStyle/>
+            <a:p>
+              <a:pPr algn="ctr">
+                <a:lnSpc>
+                  <a:spcPts val="4610"/>
+                </a:lnSpc>
+              </a:pPr>
+              <a:r>
+                <a:rPr lang="en-US" sz="2426" spc="388">
+                  <a:solidFill>
+                    <a:srgbClr val="004AAD"/>
+                  </a:solidFill>
+                  <a:latin typeface="Montserrat Light Bold"/>
+                </a:rPr>
+                <a:t>3 al 9</a:t>
+              </a:r>
+            </a:p>
+          </p:txBody>
+        </p:sp>
+        <p:sp>
+          <p:nvSpPr>
+            <p:cNvPr name="TextBox 12" id="12"/>
+            <p:cNvSpPr txBox="true"/>
+            <p:nvPr/>
+          </p:nvSpPr>
+          <p:spPr>
+            <a:xfrm rot="0">
+              <a:off x="0" y="19050"/>
+              <a:ext cx="6197462" cy="550211"/>
+            </a:xfrm>
+            <a:prstGeom prst="rect">
+              <a:avLst/>
+            </a:prstGeom>
+          </p:spPr>
+          <p:txBody>
+            <a:bodyPr anchor="t" rtlCol="false" tIns="0" lIns="0" bIns="0" rIns="0">
+              <a:spAutoFit/>
+            </a:bodyPr>
+            <a:lstStyle/>
+            <a:p>
+              <a:pPr>
+                <a:lnSpc>
+                  <a:spcPts val="3159"/>
+                </a:lnSpc>
+              </a:pPr>
+              <a:r>
+                <a:rPr lang="en-US" sz="2846" spc="341">
+                  <a:solidFill>
+                    <a:srgbClr val="004AAD"/>
+                  </a:solidFill>
+                  <a:latin typeface="Oswald"/>
+                </a:rPr>
+                <a:t>VALORES DE CALIDAD</a:t>
               </a:r>
             </a:p>
           </p:txBody>
